--- a/MDM05-Stockage.pptx
+++ b/MDM05-Stockage.pptx
@@ -5,29 +5,57 @@
     <p:sldMasterId id="2147483653" r:id="rId1"/>
   </p:sldMasterIdLst>
   <p:notesMasterIdLst>
-    <p:notesMasterId r:id="rId19"/>
+    <p:notesMasterId r:id="rId47"/>
   </p:notesMasterIdLst>
   <p:handoutMasterIdLst>
-    <p:handoutMasterId r:id="rId20"/>
+    <p:handoutMasterId r:id="rId48"/>
   </p:handoutMasterIdLst>
   <p:sldIdLst>
     <p:sldId id="264" r:id="rId2"/>
     <p:sldId id="270" r:id="rId3"/>
-    <p:sldId id="323" r:id="rId4"/>
-    <p:sldId id="324" r:id="rId5"/>
-    <p:sldId id="325" r:id="rId6"/>
-    <p:sldId id="326" r:id="rId7"/>
-    <p:sldId id="272" r:id="rId8"/>
-    <p:sldId id="273" r:id="rId9"/>
-    <p:sldId id="271" r:id="rId10"/>
-    <p:sldId id="276" r:id="rId11"/>
-    <p:sldId id="277" r:id="rId12"/>
-    <p:sldId id="278" r:id="rId13"/>
-    <p:sldId id="265" r:id="rId14"/>
-    <p:sldId id="266" r:id="rId15"/>
-    <p:sldId id="327" r:id="rId16"/>
-    <p:sldId id="269" r:id="rId17"/>
-    <p:sldId id="328" r:id="rId18"/>
+    <p:sldId id="347" r:id="rId4"/>
+    <p:sldId id="348" r:id="rId5"/>
+    <p:sldId id="323" r:id="rId6"/>
+    <p:sldId id="324" r:id="rId7"/>
+    <p:sldId id="325" r:id="rId8"/>
+    <p:sldId id="326" r:id="rId9"/>
+    <p:sldId id="349" r:id="rId10"/>
+    <p:sldId id="350" r:id="rId11"/>
+    <p:sldId id="272" r:id="rId12"/>
+    <p:sldId id="273" r:id="rId13"/>
+    <p:sldId id="271" r:id="rId14"/>
+    <p:sldId id="346" r:id="rId15"/>
+    <p:sldId id="342" r:id="rId16"/>
+    <p:sldId id="276" r:id="rId17"/>
+    <p:sldId id="277" r:id="rId18"/>
+    <p:sldId id="278" r:id="rId19"/>
+    <p:sldId id="265" r:id="rId20"/>
+    <p:sldId id="266" r:id="rId21"/>
+    <p:sldId id="327" r:id="rId22"/>
+    <p:sldId id="269" r:id="rId23"/>
+    <p:sldId id="328" r:id="rId24"/>
+    <p:sldId id="329" r:id="rId25"/>
+    <p:sldId id="330" r:id="rId26"/>
+    <p:sldId id="331" r:id="rId27"/>
+    <p:sldId id="332" r:id="rId28"/>
+    <p:sldId id="333" r:id="rId29"/>
+    <p:sldId id="279" r:id="rId30"/>
+    <p:sldId id="280" r:id="rId31"/>
+    <p:sldId id="281" r:id="rId32"/>
+    <p:sldId id="282" r:id="rId33"/>
+    <p:sldId id="295" r:id="rId34"/>
+    <p:sldId id="284" r:id="rId35"/>
+    <p:sldId id="268" r:id="rId36"/>
+    <p:sldId id="334" r:id="rId37"/>
+    <p:sldId id="291" r:id="rId38"/>
+    <p:sldId id="335" r:id="rId39"/>
+    <p:sldId id="336" r:id="rId40"/>
+    <p:sldId id="338" r:id="rId41"/>
+    <p:sldId id="339" r:id="rId42"/>
+    <p:sldId id="340" r:id="rId43"/>
+    <p:sldId id="341" r:id="rId44"/>
+    <p:sldId id="344" r:id="rId45"/>
+    <p:sldId id="345" r:id="rId46"/>
   </p:sldIdLst>
   <p:sldSz cx="9144000" cy="6858000" type="screen4x3"/>
   <p:notesSz cx="6648450" cy="9782175"/>
@@ -3760,7 +3788,13 @@
       </p:grpSpPr>
       <p:sp>
         <p:nvSpPr>
-          <p:cNvPr id="2" name="Titre 1"/>
+          <p:cNvPr id="2" name="Titre 1">
+            <a:extLst>
+              <a:ext uri="{FF2B5EF4-FFF2-40B4-BE49-F238E27FC236}">
+                <a16:creationId xmlns:a16="http://schemas.microsoft.com/office/drawing/2014/main" id="{DFACD485-14A2-7DFC-4165-F0A94B265643}"/>
+              </a:ext>
+            </a:extLst>
+          </p:cNvPr>
           <p:cNvSpPr>
             <a:spLocks noGrp="1"/>
           </p:cNvSpPr>
@@ -3774,16 +3808,26 @@
           <a:lstStyle/>
           <a:p>
             <a:r>
+              <a:rPr lang="fr-FR" dirty="0"/>
+              <a:t>7 étapes pour créer son data </a:t>
+            </a:r>
+            <a:r>
               <a:rPr lang="fr-FR" dirty="0" err="1"/>
-              <a:t>Hadoop</a:t>
-            </a:r>
-            <a:endParaRPr lang="fr-FR" dirty="0"/>
-          </a:p>
-        </p:txBody>
-      </p:sp>
-      <p:sp>
-        <p:nvSpPr>
-          <p:cNvPr id="3" name="Espace réservé du contenu 2"/>
+              <a:t>lake</a:t>
+            </a:r>
+            <a:endParaRPr lang="fr-FR" dirty="0"/>
+          </a:p>
+        </p:txBody>
+      </p:sp>
+      <p:sp>
+        <p:nvSpPr>
+          <p:cNvPr id="3" name="Espace réservé du contenu 2">
+            <a:extLst>
+              <a:ext uri="{FF2B5EF4-FFF2-40B4-BE49-F238E27FC236}">
+                <a16:creationId xmlns:a16="http://schemas.microsoft.com/office/drawing/2014/main" id="{8D20E18F-1CDA-F82F-9DD6-1A8B003EF034}"/>
+              </a:ext>
+            </a:extLst>
+          </p:cNvPr>
           <p:cNvSpPr>
             <a:spLocks noGrp="1"/>
           </p:cNvSpPr>
@@ -3797,45 +3841,66 @@
           <a:lstStyle/>
           <a:p>
             <a:r>
-              <a:rPr lang="fr-FR" dirty="0"/>
-              <a:t>Google </a:t>
-            </a:r>
-            <a:r>
-              <a:rPr lang="fr-FR" dirty="0" err="1"/>
-              <a:t>Hadoop</a:t>
-            </a:r>
-            <a:endParaRPr lang="fr-FR" dirty="0"/>
-          </a:p>
-          <a:p>
-            <a:r>
-              <a:rPr lang="fr-FR" dirty="0" err="1"/>
-              <a:t>Big</a:t>
-            </a:r>
-            <a:r>
-              <a:rPr lang="fr-FR" dirty="0"/>
-              <a:t> Data</a:t>
-            </a:r>
-          </a:p>
-          <a:p>
-            <a:r>
-              <a:rPr lang="fr-FR" dirty="0"/>
-              <a:t>Non structuré</a:t>
-            </a:r>
-          </a:p>
-          <a:p>
-            <a:r>
-              <a:rPr lang="fr-FR" dirty="0" err="1"/>
-              <a:t>Peta</a:t>
-            </a:r>
-            <a:r>
-              <a:rPr lang="fr-FR" dirty="0"/>
-              <a:t>-octet</a:t>
-            </a:r>
-          </a:p>
-          <a:p>
-            <a:r>
-              <a:rPr lang="fr-FR" dirty="0"/>
-              <a:t>Cloud</a:t>
+              <a:rPr lang="fr-FR" sz="2400" dirty="0"/>
+              <a:t>Concevoir une architecture de données adéquate.</a:t>
+            </a:r>
+          </a:p>
+          <a:p>
+            <a:pPr lvl="1"/>
+            <a:r>
+              <a:rPr lang="fr-FR" sz="2000" dirty="0"/>
+              <a:t>Cloud ?</a:t>
+            </a:r>
+          </a:p>
+          <a:p>
+            <a:pPr lvl="1"/>
+            <a:r>
+              <a:rPr lang="fr-FR" sz="2000" dirty="0"/>
+              <a:t>Hadoop ?</a:t>
+            </a:r>
+          </a:p>
+          <a:p>
+            <a:r>
+              <a:rPr lang="fr-FR" sz="2400" dirty="0"/>
+              <a:t>Utiliser des outils de profilage des données</a:t>
+            </a:r>
+          </a:p>
+          <a:p>
+            <a:pPr lvl="1"/>
+            <a:r>
+              <a:rPr lang="fr-FR" sz="2000" dirty="0"/>
+              <a:t>Surveiller la data</a:t>
+            </a:r>
+          </a:p>
+          <a:p>
+            <a:r>
+              <a:rPr lang="fr-FR" sz="2400" dirty="0"/>
+              <a:t>Normaliser l’accès aux données</a:t>
+            </a:r>
+          </a:p>
+          <a:p>
+            <a:r>
+              <a:rPr lang="fr-FR" sz="2400" dirty="0"/>
+              <a:t>Développer un catalogue de données</a:t>
+            </a:r>
+          </a:p>
+          <a:p>
+            <a:pPr lvl="1"/>
+            <a:r>
+              <a:rPr lang="fr-FR" sz="2000" dirty="0"/>
+              <a:t>Pour que les utilisateurs sachent où sont les data</a:t>
+            </a:r>
+          </a:p>
+          <a:p>
+            <a:r>
+              <a:rPr lang="fr-FR" sz="2400" dirty="0"/>
+              <a:t>Mettre en place des protections suffisantes des données</a:t>
+            </a:r>
+          </a:p>
+          <a:p>
+            <a:r>
+              <a:rPr lang="fr-FR" sz="2400" dirty="0"/>
+              <a:t>Evangélisation</a:t>
             </a:r>
           </a:p>
         </p:txBody>
@@ -3843,7 +3908,7 @@
     </p:spTree>
     <p:extLst>
       <p:ext uri="{BB962C8B-B14F-4D97-AF65-F5344CB8AC3E}">
-        <p14:creationId xmlns:p14="http://schemas.microsoft.com/office/powerpoint/2010/main" val="240956665"/>
+        <p14:creationId xmlns:p14="http://schemas.microsoft.com/office/powerpoint/2010/main" val="2128787154"/>
       </p:ext>
     </p:extLst>
   </p:cSld>
@@ -3886,18 +3951,6 @@
           <a:lstStyle/>
           <a:p>
             <a:r>
-              <a:rPr lang="fr-FR" dirty="0"/>
-              <a:t>Transformer le </a:t>
-            </a:r>
-            <a:r>
-              <a:rPr lang="fr-FR" dirty="0" err="1"/>
-              <a:t>DataLake</a:t>
-            </a:r>
-            <a:r>
-              <a:rPr lang="fr-FR" dirty="0"/>
-              <a:t> en </a:t>
-            </a:r>
-            <a:r>
               <a:rPr lang="fr-FR" dirty="0" err="1"/>
               <a:t>DataMart</a:t>
             </a:r>
@@ -3922,68 +3975,22 @@
           <a:p>
             <a:r>
               <a:rPr lang="fr-FR" dirty="0"/>
-              <a:t>Utilisation de données structurées</a:t>
-            </a:r>
-          </a:p>
-          <a:p>
-            <a:r>
-              <a:rPr lang="fr-FR" dirty="0"/>
-              <a:t>Base de données relationnelles</a:t>
-            </a:r>
-          </a:p>
-          <a:p>
-            <a:r>
-              <a:rPr lang="fr-FR" dirty="0"/>
-              <a:t>Base de données </a:t>
+              <a:t>Le </a:t>
             </a:r>
             <a:r>
               <a:rPr lang="fr-FR" dirty="0" err="1"/>
-              <a:t>big</a:t>
-            </a:r>
-            <a:r>
-              <a:rPr lang="fr-FR" dirty="0"/>
-              <a:t> data</a:t>
+              <a:t>datamart</a:t>
+            </a:r>
+            <a:r>
+              <a:rPr lang="fr-FR" dirty="0"/>
+              <a:t> est un ensemble de données ciblées, organisées, regroupées et agrégées pour répondre à un besoin spécifique à un métier ou un domaine donné</a:t>
             </a:r>
           </a:p>
           <a:p>
             <a:pPr lvl="1"/>
             <a:r>
-              <a:rPr lang="fr-FR" dirty="0" err="1"/>
-              <a:t>Hadoop</a:t>
-            </a:r>
-            <a:r>
-              <a:rPr lang="fr-FR" dirty="0"/>
-              <a:t> + </a:t>
-            </a:r>
-            <a:r>
-              <a:rPr lang="fr-FR" dirty="0" err="1"/>
-              <a:t>Stucturation</a:t>
-            </a:r>
-            <a:endParaRPr lang="fr-FR" dirty="0"/>
-          </a:p>
-          <a:p>
-            <a:pPr lvl="1"/>
-            <a:r>
-              <a:rPr lang="fr-FR" dirty="0"/>
-              <a:t>Base de types JSON : </a:t>
-            </a:r>
-            <a:r>
-              <a:rPr lang="fr-FR" dirty="0" err="1"/>
-              <a:t>MongoDB</a:t>
-            </a:r>
-            <a:endParaRPr lang="fr-FR" dirty="0"/>
-          </a:p>
-          <a:p>
-            <a:r>
-              <a:rPr lang="fr-FR" dirty="0"/>
-              <a:t>Fichiers</a:t>
-            </a:r>
-          </a:p>
-          <a:p>
-            <a:pPr lvl="1"/>
-            <a:r>
-              <a:rPr lang="fr-FR" dirty="0"/>
-              <a:t>CSV, JSON, XML</a:t>
+              <a:rPr lang="fr-FR" dirty="0"/>
+              <a:t>Il est donc destiné à être interrogé sur un panel de données restreint à son domaine fonctionnel, selon des paramètres qui auront été définis à l’avance lors de sa conception</a:t>
             </a:r>
           </a:p>
         </p:txBody>
@@ -3991,7 +3998,7 @@
     </p:spTree>
     <p:extLst>
       <p:ext uri="{BB962C8B-B14F-4D97-AF65-F5344CB8AC3E}">
-        <p14:creationId xmlns:p14="http://schemas.microsoft.com/office/powerpoint/2010/main" val="2663167327"/>
+        <p14:creationId xmlns:p14="http://schemas.microsoft.com/office/powerpoint/2010/main" val="4095565448"/>
       </p:ext>
     </p:extLst>
   </p:cSld>
@@ -4034,6 +4041,770 @@
           <a:lstStyle/>
           <a:p>
             <a:r>
+              <a:rPr lang="fr-FR" dirty="0" err="1"/>
+              <a:t>DataWarehouse</a:t>
+            </a:r>
+            <a:endParaRPr lang="fr-FR" dirty="0"/>
+          </a:p>
+        </p:txBody>
+      </p:sp>
+      <p:sp>
+        <p:nvSpPr>
+          <p:cNvPr id="3" name="Espace réservé du contenu 2"/>
+          <p:cNvSpPr>
+            <a:spLocks noGrp="1"/>
+          </p:cNvSpPr>
+          <p:nvPr>
+            <p:ph idx="1"/>
+          </p:nvPr>
+        </p:nvSpPr>
+        <p:spPr/>
+        <p:txBody>
+          <a:bodyPr/>
+          <a:lstStyle/>
+          <a:p>
+            <a:r>
+              <a:rPr lang="fr-FR" dirty="0"/>
+              <a:t>Définition de Kimball</a:t>
+            </a:r>
+          </a:p>
+          <a:p>
+            <a:r>
+              <a:rPr lang="fr-FR" dirty="0"/>
+              <a:t>L’ensemble des </a:t>
+            </a:r>
+            <a:r>
+              <a:rPr lang="fr-FR" dirty="0" err="1"/>
+              <a:t>DataMarts</a:t>
+            </a:r>
+            <a:r>
+              <a:rPr lang="fr-FR" dirty="0"/>
+              <a:t> de l’entreprise constitue le </a:t>
+            </a:r>
+            <a:r>
+              <a:rPr lang="fr-FR" dirty="0" err="1"/>
+              <a:t>DataWarehouse</a:t>
+            </a:r>
+            <a:r>
+              <a:rPr lang="fr-FR" dirty="0"/>
+              <a:t>.</a:t>
+            </a:r>
+          </a:p>
+          <a:p>
+            <a:r>
+              <a:rPr lang="fr-FR" dirty="0"/>
+              <a:t>Le </a:t>
+            </a:r>
+            <a:r>
+              <a:rPr lang="fr-FR" dirty="0" err="1"/>
+              <a:t>DataMart</a:t>
+            </a:r>
+            <a:r>
+              <a:rPr lang="fr-FR" dirty="0"/>
+              <a:t> est un sous-ensemble du </a:t>
+            </a:r>
+            <a:r>
+              <a:rPr lang="fr-FR" dirty="0" err="1"/>
+              <a:t>DataWarehouse</a:t>
+            </a:r>
+            <a:r>
+              <a:rPr lang="fr-FR" dirty="0"/>
+              <a:t>, constitué de tables au niveau détail et à des niveaux plus agrégés, permettant de restituer tout le spectre d’une activité métier</a:t>
+            </a:r>
+          </a:p>
+        </p:txBody>
+      </p:sp>
+    </p:spTree>
+    <p:extLst>
+      <p:ext uri="{BB962C8B-B14F-4D97-AF65-F5344CB8AC3E}">
+        <p14:creationId xmlns:p14="http://schemas.microsoft.com/office/powerpoint/2010/main" val="1708998662"/>
+      </p:ext>
+    </p:extLst>
+  </p:cSld>
+  <p:clrMapOvr>
+    <a:masterClrMapping/>
+  </p:clrMapOvr>
+</p:sld>
+</file>
+
+<file path=ppt/slides/slide13.xml><?xml version="1.0" encoding="utf-8"?>
+<p:sld xmlns:a="http://schemas.openxmlformats.org/drawingml/2006/main" xmlns:r="http://schemas.openxmlformats.org/officeDocument/2006/relationships" xmlns:p="http://schemas.openxmlformats.org/presentationml/2006/main">
+  <p:cSld>
+    <p:spTree>
+      <p:nvGrpSpPr>
+        <p:cNvPr id="1" name=""/>
+        <p:cNvGrpSpPr/>
+        <p:nvPr/>
+      </p:nvGrpSpPr>
+      <p:grpSpPr>
+        <a:xfrm>
+          <a:off x="0" y="0"/>
+          <a:ext cx="0" cy="0"/>
+          <a:chOff x="0" y="0"/>
+          <a:chExt cx="0" cy="0"/>
+        </a:xfrm>
+      </p:grpSpPr>
+      <p:sp>
+        <p:nvSpPr>
+          <p:cNvPr id="2" name="Titre 1"/>
+          <p:cNvSpPr>
+            <a:spLocks noGrp="1"/>
+          </p:cNvSpPr>
+          <p:nvPr>
+            <p:ph type="title"/>
+          </p:nvPr>
+        </p:nvSpPr>
+        <p:spPr/>
+        <p:txBody>
+          <a:bodyPr/>
+          <a:lstStyle/>
+          <a:p>
+            <a:r>
+              <a:rPr lang="fr-FR" dirty="0"/>
+              <a:t>Définition de </a:t>
+            </a:r>
+            <a:r>
+              <a:rPr lang="fr-FR" dirty="0" err="1"/>
+              <a:t>Inmon</a:t>
+            </a:r>
+            <a:endParaRPr lang="fr-FR" dirty="0"/>
+          </a:p>
+        </p:txBody>
+      </p:sp>
+      <p:sp>
+        <p:nvSpPr>
+          <p:cNvPr id="3" name="Espace réservé du contenu 2"/>
+          <p:cNvSpPr>
+            <a:spLocks noGrp="1"/>
+          </p:cNvSpPr>
+          <p:nvPr>
+            <p:ph idx="1"/>
+          </p:nvPr>
+        </p:nvSpPr>
+        <p:spPr/>
+        <p:txBody>
+          <a:bodyPr/>
+          <a:lstStyle/>
+          <a:p>
+            <a:r>
+              <a:rPr lang="fr-FR" dirty="0"/>
+              <a:t>Le </a:t>
+            </a:r>
+            <a:r>
+              <a:rPr lang="fr-FR" dirty="0" err="1"/>
+              <a:t>DataMart</a:t>
+            </a:r>
+            <a:r>
+              <a:rPr lang="fr-FR" dirty="0"/>
+              <a:t> est issu d’un flux de données provenant du </a:t>
+            </a:r>
+            <a:r>
+              <a:rPr lang="fr-FR" dirty="0" err="1"/>
+              <a:t>DataWarehouse</a:t>
+            </a:r>
+            <a:endParaRPr lang="fr-FR" dirty="0"/>
+          </a:p>
+          <a:p>
+            <a:r>
+              <a:rPr lang="fr-FR" dirty="0"/>
+              <a:t>Contrairement à ce dernier qui présente le détail des données pour toute l’entreprise, il a vocation à présenter la donnée de manière spécialisée, agrégée et regroupée fonctionnellement</a:t>
+            </a:r>
+          </a:p>
+        </p:txBody>
+      </p:sp>
+    </p:spTree>
+    <p:extLst>
+      <p:ext uri="{BB962C8B-B14F-4D97-AF65-F5344CB8AC3E}">
+        <p14:creationId xmlns:p14="http://schemas.microsoft.com/office/powerpoint/2010/main" val="1076848123"/>
+      </p:ext>
+    </p:extLst>
+  </p:cSld>
+  <p:clrMapOvr>
+    <a:masterClrMapping/>
+  </p:clrMapOvr>
+</p:sld>
+</file>
+
+<file path=ppt/slides/slide14.xml><?xml version="1.0" encoding="utf-8"?>
+<p:sld xmlns:a="http://schemas.openxmlformats.org/drawingml/2006/main" xmlns:r="http://schemas.openxmlformats.org/officeDocument/2006/relationships" xmlns:p="http://schemas.openxmlformats.org/presentationml/2006/main">
+  <p:cSld>
+    <p:spTree>
+      <p:nvGrpSpPr>
+        <p:cNvPr id="1" name=""/>
+        <p:cNvGrpSpPr/>
+        <p:nvPr/>
+      </p:nvGrpSpPr>
+      <p:grpSpPr>
+        <a:xfrm>
+          <a:off x="0" y="0"/>
+          <a:ext cx="0" cy="0"/>
+          <a:chOff x="0" y="0"/>
+          <a:chExt cx="0" cy="0"/>
+        </a:xfrm>
+      </p:grpSpPr>
+      <p:sp>
+        <p:nvSpPr>
+          <p:cNvPr id="2" name="Titre 1">
+            <a:extLst>
+              <a:ext uri="{FF2B5EF4-FFF2-40B4-BE49-F238E27FC236}">
+                <a16:creationId xmlns:a16="http://schemas.microsoft.com/office/drawing/2014/main" id="{AC0FFE23-5FA8-82E4-FD11-F7DABBA20AE4}"/>
+              </a:ext>
+            </a:extLst>
+          </p:cNvPr>
+          <p:cNvSpPr>
+            <a:spLocks noGrp="1"/>
+          </p:cNvSpPr>
+          <p:nvPr>
+            <p:ph type="title"/>
+          </p:nvPr>
+        </p:nvSpPr>
+        <p:spPr/>
+        <p:txBody>
+          <a:bodyPr/>
+          <a:lstStyle/>
+          <a:p>
+            <a:r>
+              <a:rPr lang="fr-FR" dirty="0"/>
+              <a:t>Utilisation</a:t>
+            </a:r>
+          </a:p>
+        </p:txBody>
+      </p:sp>
+      <p:sp>
+        <p:nvSpPr>
+          <p:cNvPr id="3" name="Espace réservé du contenu 2">
+            <a:extLst>
+              <a:ext uri="{FF2B5EF4-FFF2-40B4-BE49-F238E27FC236}">
+                <a16:creationId xmlns:a16="http://schemas.microsoft.com/office/drawing/2014/main" id="{2B6794C3-7627-5DE7-BA34-76086FDF8526}"/>
+              </a:ext>
+            </a:extLst>
+          </p:cNvPr>
+          <p:cNvSpPr>
+            <a:spLocks noGrp="1"/>
+          </p:cNvSpPr>
+          <p:nvPr>
+            <p:ph idx="1"/>
+          </p:nvPr>
+        </p:nvSpPr>
+        <p:spPr/>
+        <p:txBody>
+          <a:bodyPr/>
+          <a:lstStyle/>
+          <a:p>
+            <a:r>
+              <a:rPr lang="fr-FR" dirty="0"/>
+              <a:t>Le Data Warehouse est une base de données relationnelle, pensée et conçue pour :</a:t>
+            </a:r>
+          </a:p>
+          <a:p>
+            <a:pPr lvl="1"/>
+            <a:r>
+              <a:rPr lang="fr-FR" dirty="0"/>
+              <a:t>les requêtes et les analyses de données,</a:t>
+            </a:r>
+          </a:p>
+          <a:p>
+            <a:pPr lvl="1"/>
+            <a:r>
+              <a:rPr lang="fr-FR" dirty="0"/>
+              <a:t>la prise de décision ;</a:t>
+            </a:r>
+          </a:p>
+          <a:p>
+            <a:pPr lvl="1"/>
+            <a:r>
+              <a:rPr lang="fr-FR" dirty="0"/>
+              <a:t>les activités de type Business Intelligence davantage que pour le traitement de transactions ou autres usages traditionnels des bases de données.</a:t>
+            </a:r>
+          </a:p>
+        </p:txBody>
+      </p:sp>
+    </p:spTree>
+    <p:extLst>
+      <p:ext uri="{BB962C8B-B14F-4D97-AF65-F5344CB8AC3E}">
+        <p14:creationId xmlns:p14="http://schemas.microsoft.com/office/powerpoint/2010/main" val="612388788"/>
+      </p:ext>
+    </p:extLst>
+  </p:cSld>
+  <p:clrMapOvr>
+    <a:masterClrMapping/>
+  </p:clrMapOvr>
+</p:sld>
+</file>
+
+<file path=ppt/slides/slide15.xml><?xml version="1.0" encoding="utf-8"?>
+<p:sld xmlns:a="http://schemas.openxmlformats.org/drawingml/2006/main" xmlns:r="http://schemas.openxmlformats.org/officeDocument/2006/relationships" xmlns:p="http://schemas.openxmlformats.org/presentationml/2006/main">
+  <p:cSld>
+    <p:spTree>
+      <p:nvGrpSpPr>
+        <p:cNvPr id="1" name=""/>
+        <p:cNvGrpSpPr/>
+        <p:nvPr/>
+      </p:nvGrpSpPr>
+      <p:grpSpPr>
+        <a:xfrm>
+          <a:off x="0" y="0"/>
+          <a:ext cx="0" cy="0"/>
+          <a:chOff x="0" y="0"/>
+          <a:chExt cx="0" cy="0"/>
+        </a:xfrm>
+      </p:grpSpPr>
+      <p:sp>
+        <p:nvSpPr>
+          <p:cNvPr id="2" name="Titre 1">
+            <a:extLst>
+              <a:ext uri="{FF2B5EF4-FFF2-40B4-BE49-F238E27FC236}">
+                <a16:creationId xmlns:a16="http://schemas.microsoft.com/office/drawing/2014/main" id="{CCBE94A8-583C-ABB4-2EAC-56269036261B}"/>
+              </a:ext>
+            </a:extLst>
+          </p:cNvPr>
+          <p:cNvSpPr>
+            <a:spLocks noGrp="1"/>
+          </p:cNvSpPr>
+          <p:nvPr>
+            <p:ph type="title"/>
+          </p:nvPr>
+        </p:nvSpPr>
+        <p:spPr/>
+        <p:txBody>
+          <a:bodyPr/>
+          <a:lstStyle/>
+          <a:p>
+            <a:r>
+              <a:rPr lang="fr-FR" dirty="0"/>
+              <a:t>SGBDR</a:t>
+            </a:r>
+          </a:p>
+        </p:txBody>
+      </p:sp>
+      <p:sp>
+        <p:nvSpPr>
+          <p:cNvPr id="3" name="Espace réservé du contenu 2">
+            <a:extLst>
+              <a:ext uri="{FF2B5EF4-FFF2-40B4-BE49-F238E27FC236}">
+                <a16:creationId xmlns:a16="http://schemas.microsoft.com/office/drawing/2014/main" id="{3677F8DD-EB35-9924-B02E-B1E0811EED0C}"/>
+              </a:ext>
+            </a:extLst>
+          </p:cNvPr>
+          <p:cNvSpPr>
+            <a:spLocks noGrp="1"/>
+          </p:cNvSpPr>
+          <p:nvPr>
+            <p:ph idx="1"/>
+          </p:nvPr>
+        </p:nvSpPr>
+        <p:spPr/>
+        <p:txBody>
+          <a:bodyPr/>
+          <a:lstStyle/>
+          <a:p>
+            <a:r>
+              <a:rPr lang="fr-FR" dirty="0"/>
+              <a:t>Système de gestion de base de données relationnelles</a:t>
+            </a:r>
+          </a:p>
+          <a:p>
+            <a:r>
+              <a:rPr lang="fr-FR" dirty="0"/>
+              <a:t>Système structuré</a:t>
+            </a:r>
+          </a:p>
+          <a:p>
+            <a:pPr lvl="1"/>
+            <a:r>
+              <a:rPr lang="fr-FR" dirty="0"/>
+              <a:t>Tabulaire, langage </a:t>
+            </a:r>
+            <a:r>
+              <a:rPr lang="fr-FR" dirty="0" err="1"/>
+              <a:t>Sql</a:t>
+            </a:r>
+            <a:endParaRPr lang="fr-FR" dirty="0"/>
+          </a:p>
+          <a:p>
+            <a:pPr lvl="1"/>
+            <a:r>
+              <a:rPr lang="fr-FR" dirty="0"/>
+              <a:t>Uniquement pour les </a:t>
+            </a:r>
+            <a:r>
+              <a:rPr lang="fr-FR" dirty="0" err="1"/>
+              <a:t>datalakes</a:t>
+            </a:r>
+            <a:endParaRPr lang="fr-FR" dirty="0"/>
+          </a:p>
+          <a:p>
+            <a:r>
+              <a:rPr lang="fr-FR" dirty="0"/>
+              <a:t>Les acteurs historiques et payants</a:t>
+            </a:r>
+          </a:p>
+          <a:p>
+            <a:pPr lvl="1"/>
+            <a:r>
+              <a:rPr lang="fr-FR" dirty="0"/>
+              <a:t>Oracle, Microsoft </a:t>
+            </a:r>
+            <a:r>
+              <a:rPr lang="fr-FR" dirty="0" err="1"/>
+              <a:t>Sql</a:t>
+            </a:r>
+            <a:r>
+              <a:rPr lang="fr-FR" dirty="0"/>
+              <a:t> Server</a:t>
+            </a:r>
+          </a:p>
+          <a:p>
+            <a:r>
+              <a:rPr lang="fr-FR" dirty="0"/>
+              <a:t>Les acteurs libres</a:t>
+            </a:r>
+          </a:p>
+          <a:p>
+            <a:pPr lvl="1"/>
+            <a:r>
+              <a:rPr lang="fr-FR" dirty="0" err="1"/>
+              <a:t>MySql</a:t>
+            </a:r>
+            <a:r>
+              <a:rPr lang="fr-FR" dirty="0"/>
+              <a:t>, </a:t>
+            </a:r>
+            <a:r>
+              <a:rPr lang="fr-FR" dirty="0" err="1"/>
+              <a:t>PostgreSql</a:t>
+            </a:r>
+            <a:r>
+              <a:rPr lang="fr-FR" dirty="0"/>
+              <a:t>, </a:t>
+            </a:r>
+            <a:r>
+              <a:rPr lang="fr-FR" dirty="0" err="1"/>
+              <a:t>Sqlite</a:t>
+            </a:r>
+            <a:endParaRPr lang="fr-FR" dirty="0"/>
+          </a:p>
+          <a:p>
+            <a:r>
+              <a:rPr lang="fr-FR" dirty="0"/>
+              <a:t>ACID</a:t>
+            </a:r>
+          </a:p>
+          <a:p>
+            <a:pPr lvl="1"/>
+            <a:r>
+              <a:rPr lang="fr-FR" dirty="0"/>
+              <a:t>Atomique Cohérent Intègre Disponible</a:t>
+            </a:r>
+          </a:p>
+        </p:txBody>
+      </p:sp>
+    </p:spTree>
+    <p:extLst>
+      <p:ext uri="{BB962C8B-B14F-4D97-AF65-F5344CB8AC3E}">
+        <p14:creationId xmlns:p14="http://schemas.microsoft.com/office/powerpoint/2010/main" val="3411497117"/>
+      </p:ext>
+    </p:extLst>
+  </p:cSld>
+  <p:clrMapOvr>
+    <a:masterClrMapping/>
+  </p:clrMapOvr>
+</p:sld>
+</file>
+
+<file path=ppt/slides/slide16.xml><?xml version="1.0" encoding="utf-8"?>
+<p:sld xmlns:a="http://schemas.openxmlformats.org/drawingml/2006/main" xmlns:r="http://schemas.openxmlformats.org/officeDocument/2006/relationships" xmlns:p="http://schemas.openxmlformats.org/presentationml/2006/main">
+  <p:cSld>
+    <p:spTree>
+      <p:nvGrpSpPr>
+        <p:cNvPr id="1" name=""/>
+        <p:cNvGrpSpPr/>
+        <p:nvPr/>
+      </p:nvGrpSpPr>
+      <p:grpSpPr>
+        <a:xfrm>
+          <a:off x="0" y="0"/>
+          <a:ext cx="0" cy="0"/>
+          <a:chOff x="0" y="0"/>
+          <a:chExt cx="0" cy="0"/>
+        </a:xfrm>
+      </p:grpSpPr>
+      <p:sp>
+        <p:nvSpPr>
+          <p:cNvPr id="2" name="Titre 1"/>
+          <p:cNvSpPr>
+            <a:spLocks noGrp="1"/>
+          </p:cNvSpPr>
+          <p:nvPr>
+            <p:ph type="title"/>
+          </p:nvPr>
+        </p:nvSpPr>
+        <p:spPr/>
+        <p:txBody>
+          <a:bodyPr/>
+          <a:lstStyle/>
+          <a:p>
+            <a:r>
+              <a:rPr lang="fr-FR" dirty="0" err="1"/>
+              <a:t>Hadoop</a:t>
+            </a:r>
+            <a:endParaRPr lang="fr-FR" dirty="0"/>
+          </a:p>
+        </p:txBody>
+      </p:sp>
+      <p:sp>
+        <p:nvSpPr>
+          <p:cNvPr id="3" name="Espace réservé du contenu 2"/>
+          <p:cNvSpPr>
+            <a:spLocks noGrp="1"/>
+          </p:cNvSpPr>
+          <p:nvPr>
+            <p:ph idx="1"/>
+          </p:nvPr>
+        </p:nvSpPr>
+        <p:spPr/>
+        <p:txBody>
+          <a:bodyPr/>
+          <a:lstStyle/>
+          <a:p>
+            <a:r>
+              <a:rPr lang="fr-FR" dirty="0"/>
+              <a:t>Google </a:t>
+            </a:r>
+            <a:r>
+              <a:rPr lang="fr-FR" dirty="0" err="1"/>
+              <a:t>Hadoop</a:t>
+            </a:r>
+            <a:endParaRPr lang="fr-FR" dirty="0"/>
+          </a:p>
+          <a:p>
+            <a:r>
+              <a:rPr lang="fr-FR" dirty="0" err="1"/>
+              <a:t>Big</a:t>
+            </a:r>
+            <a:r>
+              <a:rPr lang="fr-FR" dirty="0"/>
+              <a:t> Data</a:t>
+            </a:r>
+          </a:p>
+          <a:p>
+            <a:r>
+              <a:rPr lang="fr-FR" dirty="0"/>
+              <a:t>Non structuré</a:t>
+            </a:r>
+          </a:p>
+          <a:p>
+            <a:r>
+              <a:rPr lang="fr-FR" dirty="0" err="1"/>
+              <a:t>Peta</a:t>
+            </a:r>
+            <a:r>
+              <a:rPr lang="fr-FR" dirty="0"/>
+              <a:t>-octet</a:t>
+            </a:r>
+          </a:p>
+          <a:p>
+            <a:r>
+              <a:rPr lang="fr-FR" dirty="0"/>
+              <a:t>Cloud</a:t>
+            </a:r>
+          </a:p>
+        </p:txBody>
+      </p:sp>
+    </p:spTree>
+    <p:extLst>
+      <p:ext uri="{BB962C8B-B14F-4D97-AF65-F5344CB8AC3E}">
+        <p14:creationId xmlns:p14="http://schemas.microsoft.com/office/powerpoint/2010/main" val="240956665"/>
+      </p:ext>
+    </p:extLst>
+  </p:cSld>
+  <p:clrMapOvr>
+    <a:masterClrMapping/>
+  </p:clrMapOvr>
+</p:sld>
+</file>
+
+<file path=ppt/slides/slide17.xml><?xml version="1.0" encoding="utf-8"?>
+<p:sld xmlns:a="http://schemas.openxmlformats.org/drawingml/2006/main" xmlns:r="http://schemas.openxmlformats.org/officeDocument/2006/relationships" xmlns:p="http://schemas.openxmlformats.org/presentationml/2006/main">
+  <p:cSld>
+    <p:spTree>
+      <p:nvGrpSpPr>
+        <p:cNvPr id="1" name=""/>
+        <p:cNvGrpSpPr/>
+        <p:nvPr/>
+      </p:nvGrpSpPr>
+      <p:grpSpPr>
+        <a:xfrm>
+          <a:off x="0" y="0"/>
+          <a:ext cx="0" cy="0"/>
+          <a:chOff x="0" y="0"/>
+          <a:chExt cx="0" cy="0"/>
+        </a:xfrm>
+      </p:grpSpPr>
+      <p:sp>
+        <p:nvSpPr>
+          <p:cNvPr id="2" name="Titre 1"/>
+          <p:cNvSpPr>
+            <a:spLocks noGrp="1"/>
+          </p:cNvSpPr>
+          <p:nvPr>
+            <p:ph type="title"/>
+          </p:nvPr>
+        </p:nvSpPr>
+        <p:spPr/>
+        <p:txBody>
+          <a:bodyPr/>
+          <a:lstStyle/>
+          <a:p>
+            <a:r>
+              <a:rPr lang="fr-FR" dirty="0"/>
+              <a:t>Transformer le </a:t>
+            </a:r>
+            <a:r>
+              <a:rPr lang="fr-FR" dirty="0" err="1"/>
+              <a:t>DataLake</a:t>
+            </a:r>
+            <a:r>
+              <a:rPr lang="fr-FR" dirty="0"/>
+              <a:t> en </a:t>
+            </a:r>
+            <a:r>
+              <a:rPr lang="fr-FR" dirty="0" err="1"/>
+              <a:t>DataMart</a:t>
+            </a:r>
+            <a:endParaRPr lang="fr-FR" dirty="0"/>
+          </a:p>
+        </p:txBody>
+      </p:sp>
+      <p:sp>
+        <p:nvSpPr>
+          <p:cNvPr id="3" name="Espace réservé du contenu 2"/>
+          <p:cNvSpPr>
+            <a:spLocks noGrp="1"/>
+          </p:cNvSpPr>
+          <p:nvPr>
+            <p:ph idx="1"/>
+          </p:nvPr>
+        </p:nvSpPr>
+        <p:spPr/>
+        <p:txBody>
+          <a:bodyPr/>
+          <a:lstStyle/>
+          <a:p>
+            <a:r>
+              <a:rPr lang="fr-FR" dirty="0"/>
+              <a:t>Utilisation de données structurées</a:t>
+            </a:r>
+          </a:p>
+          <a:p>
+            <a:r>
+              <a:rPr lang="fr-FR" dirty="0"/>
+              <a:t>Base de données relationnelles</a:t>
+            </a:r>
+          </a:p>
+          <a:p>
+            <a:r>
+              <a:rPr lang="fr-FR" dirty="0"/>
+              <a:t>Base de données </a:t>
+            </a:r>
+            <a:r>
+              <a:rPr lang="fr-FR" dirty="0" err="1"/>
+              <a:t>big</a:t>
+            </a:r>
+            <a:r>
+              <a:rPr lang="fr-FR" dirty="0"/>
+              <a:t> data</a:t>
+            </a:r>
+          </a:p>
+          <a:p>
+            <a:pPr lvl="1"/>
+            <a:r>
+              <a:rPr lang="fr-FR" dirty="0" err="1"/>
+              <a:t>Hadoop</a:t>
+            </a:r>
+            <a:r>
+              <a:rPr lang="fr-FR" dirty="0"/>
+              <a:t> + </a:t>
+            </a:r>
+            <a:r>
+              <a:rPr lang="fr-FR" dirty="0" err="1"/>
+              <a:t>Stucturation</a:t>
+            </a:r>
+            <a:endParaRPr lang="fr-FR" dirty="0"/>
+          </a:p>
+          <a:p>
+            <a:pPr lvl="1"/>
+            <a:r>
+              <a:rPr lang="fr-FR" dirty="0"/>
+              <a:t>Base de types JSON : </a:t>
+            </a:r>
+            <a:r>
+              <a:rPr lang="fr-FR" dirty="0" err="1"/>
+              <a:t>MongoDB</a:t>
+            </a:r>
+            <a:endParaRPr lang="fr-FR" dirty="0"/>
+          </a:p>
+          <a:p>
+            <a:r>
+              <a:rPr lang="fr-FR" dirty="0"/>
+              <a:t>Fichiers</a:t>
+            </a:r>
+          </a:p>
+          <a:p>
+            <a:pPr lvl="1"/>
+            <a:r>
+              <a:rPr lang="fr-FR" dirty="0"/>
+              <a:t>CSV, JSON, XML</a:t>
+            </a:r>
+          </a:p>
+        </p:txBody>
+      </p:sp>
+    </p:spTree>
+    <p:extLst>
+      <p:ext uri="{BB962C8B-B14F-4D97-AF65-F5344CB8AC3E}">
+        <p14:creationId xmlns:p14="http://schemas.microsoft.com/office/powerpoint/2010/main" val="2663167327"/>
+      </p:ext>
+    </p:extLst>
+  </p:cSld>
+  <p:clrMapOvr>
+    <a:masterClrMapping/>
+  </p:clrMapOvr>
+</p:sld>
+</file>
+
+<file path=ppt/slides/slide18.xml><?xml version="1.0" encoding="utf-8"?>
+<p:sld xmlns:a="http://schemas.openxmlformats.org/drawingml/2006/main" xmlns:r="http://schemas.openxmlformats.org/officeDocument/2006/relationships" xmlns:p="http://schemas.openxmlformats.org/presentationml/2006/main">
+  <p:cSld>
+    <p:spTree>
+      <p:nvGrpSpPr>
+        <p:cNvPr id="1" name=""/>
+        <p:cNvGrpSpPr/>
+        <p:nvPr/>
+      </p:nvGrpSpPr>
+      <p:grpSpPr>
+        <a:xfrm>
+          <a:off x="0" y="0"/>
+          <a:ext cx="0" cy="0"/>
+          <a:chOff x="0" y="0"/>
+          <a:chExt cx="0" cy="0"/>
+        </a:xfrm>
+      </p:grpSpPr>
+      <p:sp>
+        <p:nvSpPr>
+          <p:cNvPr id="2" name="Titre 1"/>
+          <p:cNvSpPr>
+            <a:spLocks noGrp="1"/>
+          </p:cNvSpPr>
+          <p:nvPr>
+            <p:ph type="title"/>
+          </p:nvPr>
+        </p:nvSpPr>
+        <p:spPr/>
+        <p:txBody>
+          <a:bodyPr/>
+          <a:lstStyle/>
+          <a:p>
+            <a:r>
               <a:rPr lang="fr-FR" dirty="0"/>
               <a:t>Nettoyage</a:t>
             </a:r>
@@ -4120,7 +4891,7 @@
 </p:sld>
 </file>
 
-<file path=ppt/slides/slide13.xml><?xml version="1.0" encoding="utf-8"?>
+<file path=ppt/slides/slide19.xml><?xml version="1.0" encoding="utf-8"?>
 <p:sld xmlns:a="http://schemas.openxmlformats.org/drawingml/2006/main" xmlns:r="http://schemas.openxmlformats.org/officeDocument/2006/relationships" xmlns:p="http://schemas.openxmlformats.org/presentationml/2006/main">
   <p:cSld>
     <p:spTree>
@@ -4324,7 +5095,7 @@
 </p:sld>
 </file>
 
-<file path=ppt/slides/slide14.xml><?xml version="1.0" encoding="utf-8"?>
+<file path=ppt/slides/slide2.xml><?xml version="1.0" encoding="utf-8"?>
 <p:sld xmlns:a="http://schemas.openxmlformats.org/drawingml/2006/main" xmlns:r="http://schemas.openxmlformats.org/officeDocument/2006/relationships" xmlns:p="http://schemas.openxmlformats.org/presentationml/2006/main">
   <p:cSld>
     <p:spTree>
@@ -4357,6 +5128,124 @@
           <a:lstStyle/>
           <a:p>
             <a:r>
+              <a:rPr lang="fr-FR" dirty="0"/>
+              <a:t>Data Lake</a:t>
+            </a:r>
+          </a:p>
+        </p:txBody>
+      </p:sp>
+      <p:sp>
+        <p:nvSpPr>
+          <p:cNvPr id="3" name="Espace réservé du contenu 2"/>
+          <p:cNvSpPr>
+            <a:spLocks noGrp="1"/>
+          </p:cNvSpPr>
+          <p:nvPr>
+            <p:ph idx="1"/>
+          </p:nvPr>
+        </p:nvSpPr>
+        <p:spPr/>
+        <p:txBody>
+          <a:bodyPr/>
+          <a:lstStyle/>
+          <a:p>
+            <a:r>
+              <a:rPr lang="fr-FR" dirty="0"/>
+              <a:t>Un lac de données est une méthode de stockage des données utilisée par le </a:t>
+            </a:r>
+            <a:r>
+              <a:rPr lang="fr-FR" dirty="0" err="1"/>
+              <a:t>big</a:t>
+            </a:r>
+            <a:r>
+              <a:rPr lang="fr-FR" dirty="0"/>
+              <a:t> data</a:t>
+            </a:r>
+          </a:p>
+          <a:p>
+            <a:r>
+              <a:rPr lang="fr-FR" dirty="0"/>
+              <a:t>Ces données sont gardées dans leurs formats originaux ou sont très peu transformées</a:t>
+            </a:r>
+          </a:p>
+          <a:p>
+            <a:r>
+              <a:rPr lang="fr-FR" dirty="0"/>
+              <a:t>Le principe est d'avoir dans un lieu des données de natures différentes</a:t>
+            </a:r>
+          </a:p>
+          <a:p>
+            <a:pPr lvl="1"/>
+            <a:r>
+              <a:rPr lang="fr-FR" dirty="0"/>
+              <a:t>Fichiers</a:t>
+            </a:r>
+          </a:p>
+          <a:p>
+            <a:pPr lvl="1"/>
+            <a:r>
+              <a:rPr lang="fr-FR" dirty="0"/>
+              <a:t>Blobs</a:t>
+            </a:r>
+          </a:p>
+          <a:p>
+            <a:r>
+              <a:rPr lang="fr-FR" dirty="0" err="1"/>
+              <a:t>Hadoop</a:t>
+            </a:r>
+            <a:r>
+              <a:rPr lang="fr-FR" dirty="0"/>
+              <a:t> et Amazon Web Services S3 sont des plateformes utilisées pour les mettre en place.</a:t>
+            </a:r>
+          </a:p>
+        </p:txBody>
+      </p:sp>
+    </p:spTree>
+    <p:extLst>
+      <p:ext uri="{BB962C8B-B14F-4D97-AF65-F5344CB8AC3E}">
+        <p14:creationId xmlns:p14="http://schemas.microsoft.com/office/powerpoint/2010/main" val="3902955806"/>
+      </p:ext>
+    </p:extLst>
+  </p:cSld>
+  <p:clrMapOvr>
+    <a:masterClrMapping/>
+  </p:clrMapOvr>
+</p:sld>
+</file>
+
+<file path=ppt/slides/slide20.xml><?xml version="1.0" encoding="utf-8"?>
+<p:sld xmlns:a="http://schemas.openxmlformats.org/drawingml/2006/main" xmlns:r="http://schemas.openxmlformats.org/officeDocument/2006/relationships" xmlns:p="http://schemas.openxmlformats.org/presentationml/2006/main">
+  <p:cSld>
+    <p:spTree>
+      <p:nvGrpSpPr>
+        <p:cNvPr id="1" name=""/>
+        <p:cNvGrpSpPr/>
+        <p:nvPr/>
+      </p:nvGrpSpPr>
+      <p:grpSpPr>
+        <a:xfrm>
+          <a:off x="0" y="0"/>
+          <a:ext cx="0" cy="0"/>
+          <a:chOff x="0" y="0"/>
+          <a:chExt cx="0" cy="0"/>
+        </a:xfrm>
+      </p:grpSpPr>
+      <p:sp>
+        <p:nvSpPr>
+          <p:cNvPr id="2" name="Titre 1"/>
+          <p:cNvSpPr>
+            <a:spLocks noGrp="1"/>
+          </p:cNvSpPr>
+          <p:nvPr>
+            <p:ph type="title"/>
+          </p:nvPr>
+        </p:nvSpPr>
+        <p:spPr/>
+        <p:txBody>
+          <a:bodyPr/>
+          <a:lstStyle/>
+          <a:p>
+            <a:r>
               <a:rPr lang="fr-FR" dirty="0" err="1"/>
               <a:t>Hadoop</a:t>
             </a:r>
@@ -4446,7 +5335,7 @@
 </p:sld>
 </file>
 
-<file path=ppt/slides/slide15.xml><?xml version="1.0" encoding="utf-8"?>
+<file path=ppt/slides/slide21.xml><?xml version="1.0" encoding="utf-8"?>
 <p:sld xmlns:a="http://schemas.openxmlformats.org/drawingml/2006/main" xmlns:r="http://schemas.openxmlformats.org/officeDocument/2006/relationships" xmlns:p="http://schemas.openxmlformats.org/presentationml/2006/main">
   <p:cSld>
     <p:spTree>
@@ -4631,7 +5520,7 @@
 </p:sld>
 </file>
 
-<file path=ppt/slides/slide16.xml><?xml version="1.0" encoding="utf-8"?>
+<file path=ppt/slides/slide22.xml><?xml version="1.0" encoding="utf-8"?>
 <p:sld xmlns:a="http://schemas.openxmlformats.org/drawingml/2006/main" xmlns:r="http://schemas.openxmlformats.org/officeDocument/2006/relationships" xmlns:p="http://schemas.openxmlformats.org/presentationml/2006/main">
   <p:cSld>
     <p:spTree>
@@ -4742,7 +5631,7 @@
 </p:sld>
 </file>
 
-<file path=ppt/slides/slide17.xml><?xml version="1.0" encoding="utf-8"?>
+<file path=ppt/slides/slide23.xml><?xml version="1.0" encoding="utf-8"?>
 <p:sld xmlns:a="http://schemas.openxmlformats.org/drawingml/2006/main" xmlns:r="http://schemas.openxmlformats.org/officeDocument/2006/relationships" xmlns:p="http://schemas.openxmlformats.org/presentationml/2006/main">
   <p:cSld>
     <p:spTree>
@@ -4929,7 +5818,7 @@
 </p:sld>
 </file>
 
-<file path=ppt/slides/slide2.xml><?xml version="1.0" encoding="utf-8"?>
+<file path=ppt/slides/slide24.xml><?xml version="1.0" encoding="utf-8"?>
 <p:sld xmlns:a="http://schemas.openxmlformats.org/drawingml/2006/main" xmlns:r="http://schemas.openxmlformats.org/officeDocument/2006/relationships" xmlns:p="http://schemas.openxmlformats.org/presentationml/2006/main">
   <p:cSld>
     <p:spTree>
@@ -4963,8 +5852,13 @@
           <a:p>
             <a:r>
               <a:rPr lang="fr-FR" dirty="0"/>
-              <a:t>Data Lake</a:t>
-            </a:r>
+              <a:t>Cloud </a:t>
+            </a:r>
+            <a:r>
+              <a:rPr lang="fr-FR" dirty="0" err="1"/>
+              <a:t>Computing</a:t>
+            </a:r>
+            <a:endParaRPr lang="fr-FR" dirty="0"/>
           </a:p>
         </p:txBody>
       </p:sp>
@@ -4985,59 +5879,559 @@
           <a:p>
             <a:r>
               <a:rPr lang="fr-FR" dirty="0"/>
-              <a:t>Un lac de données est une méthode de stockage des données utilisée par le </a:t>
+              <a:t>Le cloud </a:t>
             </a:r>
             <a:r>
               <a:rPr lang="fr-FR" dirty="0" err="1"/>
-              <a:t>big</a:t>
-            </a:r>
-            <a:r>
-              <a:rPr lang="fr-FR" dirty="0"/>
-              <a:t> data</a:t>
-            </a:r>
-          </a:p>
-          <a:p>
-            <a:r>
-              <a:rPr lang="fr-FR" dirty="0"/>
-              <a:t>Ces données sont gardées dans leurs formats originaux ou sont très peu transformées</a:t>
-            </a:r>
-          </a:p>
-          <a:p>
-            <a:r>
-              <a:rPr lang="fr-FR" dirty="0"/>
-              <a:t>Le principe est d'avoir dans un lieu des données de natures différentes</a:t>
-            </a:r>
-          </a:p>
-          <a:p>
-            <a:pPr lvl="1"/>
-            <a:r>
-              <a:rPr lang="fr-FR" dirty="0"/>
-              <a:t>Fichiers</a:t>
-            </a:r>
-          </a:p>
-          <a:p>
-            <a:pPr lvl="1"/>
-            <a:r>
-              <a:rPr lang="fr-FR" dirty="0"/>
-              <a:t>Blobs</a:t>
-            </a:r>
-          </a:p>
-          <a:p>
-            <a:r>
-              <a:rPr lang="fr-FR" dirty="0" err="1"/>
-              <a:t>Hadoop</a:t>
-            </a:r>
-            <a:r>
-              <a:rPr lang="fr-FR" dirty="0"/>
-              <a:t> et Amazon Web Services S3 sont des plateformes utilisées pour les mettre en place.</a:t>
-            </a:r>
-          </a:p>
-        </p:txBody>
-      </p:sp>
+              <a:t>computing</a:t>
+            </a:r>
+            <a:r>
+              <a:rPr lang="fr-FR" dirty="0"/>
+              <a:t>, en français l'informatique en nuage, correspond à l’accès à des services informatiques (serveurs, stockage, mise en réseau, logiciels) via Internet (le « cloud » ou « nuage ») à partir d’un fournisseur.</a:t>
+            </a:r>
+          </a:p>
+        </p:txBody>
+      </p:sp>
+      <p:pic>
+        <p:nvPicPr>
+          <p:cNvPr id="4" name="Image 3"/>
+          <p:cNvPicPr>
+            <a:picLocks noChangeAspect="1"/>
+          </p:cNvPicPr>
+          <p:nvPr/>
+        </p:nvPicPr>
+        <p:blipFill>
+          <a:blip r:embed="rId2"/>
+          <a:stretch>
+            <a:fillRect/>
+          </a:stretch>
+        </p:blipFill>
+        <p:spPr>
+          <a:xfrm>
+            <a:off x="2483768" y="3789040"/>
+            <a:ext cx="4072327" cy="2549277"/>
+          </a:xfrm>
+          <a:prstGeom prst="rect">
+            <a:avLst/>
+          </a:prstGeom>
+        </p:spPr>
+      </p:pic>
     </p:spTree>
     <p:extLst>
       <p:ext uri="{BB962C8B-B14F-4D97-AF65-F5344CB8AC3E}">
-        <p14:creationId xmlns:p14="http://schemas.microsoft.com/office/powerpoint/2010/main" val="3902955806"/>
+        <p14:creationId xmlns:p14="http://schemas.microsoft.com/office/powerpoint/2010/main" val="3899903671"/>
+      </p:ext>
+    </p:extLst>
+  </p:cSld>
+  <p:clrMapOvr>
+    <a:masterClrMapping/>
+  </p:clrMapOvr>
+</p:sld>
+</file>
+
+<file path=ppt/slides/slide25.xml><?xml version="1.0" encoding="utf-8"?>
+<p:sld xmlns:a="http://schemas.openxmlformats.org/drawingml/2006/main" xmlns:r="http://schemas.openxmlformats.org/officeDocument/2006/relationships" xmlns:p="http://schemas.openxmlformats.org/presentationml/2006/main">
+  <p:cSld>
+    <p:spTree>
+      <p:nvGrpSpPr>
+        <p:cNvPr id="1" name=""/>
+        <p:cNvGrpSpPr/>
+        <p:nvPr/>
+      </p:nvGrpSpPr>
+      <p:grpSpPr>
+        <a:xfrm>
+          <a:off x="0" y="0"/>
+          <a:ext cx="0" cy="0"/>
+          <a:chOff x="0" y="0"/>
+          <a:chExt cx="0" cy="0"/>
+        </a:xfrm>
+      </p:grpSpPr>
+      <p:sp>
+        <p:nvSpPr>
+          <p:cNvPr id="2" name="Titre 1"/>
+          <p:cNvSpPr>
+            <a:spLocks noGrp="1"/>
+          </p:cNvSpPr>
+          <p:nvPr>
+            <p:ph type="title"/>
+          </p:nvPr>
+        </p:nvSpPr>
+        <p:spPr/>
+        <p:txBody>
+          <a:bodyPr/>
+          <a:lstStyle/>
+          <a:p>
+            <a:r>
+              <a:rPr lang="fr-FR" dirty="0"/>
+              <a:t>Changement de paradigme</a:t>
+            </a:r>
+          </a:p>
+        </p:txBody>
+      </p:sp>
+      <p:sp>
+        <p:nvSpPr>
+          <p:cNvPr id="3" name="Espace réservé du contenu 2"/>
+          <p:cNvSpPr>
+            <a:spLocks noGrp="1"/>
+          </p:cNvSpPr>
+          <p:nvPr>
+            <p:ph idx="1"/>
+          </p:nvPr>
+        </p:nvSpPr>
+        <p:spPr/>
+        <p:txBody>
+          <a:bodyPr/>
+          <a:lstStyle/>
+          <a:p>
+            <a:r>
+              <a:rPr lang="fr-FR" dirty="0"/>
+              <a:t>Le cloud </a:t>
+            </a:r>
+            <a:r>
+              <a:rPr lang="fr-FR" dirty="0" err="1"/>
+              <a:t>computing</a:t>
+            </a:r>
+            <a:r>
+              <a:rPr lang="fr-FR" dirty="0"/>
+              <a:t> est un basculement de tendance</a:t>
+            </a:r>
+          </a:p>
+          <a:p>
+            <a:pPr lvl="1"/>
+            <a:r>
+              <a:rPr lang="fr-FR" dirty="0"/>
+              <a:t>au lieu d'obtenir de la puissance de calcul par acquisition de matériel et de logiciel, le consommateur se sert de puissance mise à sa disposition par un fournisseur via un réseau</a:t>
+            </a:r>
+          </a:p>
+        </p:txBody>
+      </p:sp>
+    </p:spTree>
+    <p:extLst>
+      <p:ext uri="{BB962C8B-B14F-4D97-AF65-F5344CB8AC3E}">
+        <p14:creationId xmlns:p14="http://schemas.microsoft.com/office/powerpoint/2010/main" val="1720517002"/>
+      </p:ext>
+    </p:extLst>
+  </p:cSld>
+  <p:clrMapOvr>
+    <a:masterClrMapping/>
+  </p:clrMapOvr>
+</p:sld>
+</file>
+
+<file path=ppt/slides/slide26.xml><?xml version="1.0" encoding="utf-8"?>
+<p:sld xmlns:a="http://schemas.openxmlformats.org/drawingml/2006/main" xmlns:r="http://schemas.openxmlformats.org/officeDocument/2006/relationships" xmlns:p="http://schemas.openxmlformats.org/presentationml/2006/main">
+  <p:cSld>
+    <p:spTree>
+      <p:nvGrpSpPr>
+        <p:cNvPr id="1" name=""/>
+        <p:cNvGrpSpPr/>
+        <p:nvPr/>
+      </p:nvGrpSpPr>
+      <p:grpSpPr>
+        <a:xfrm>
+          <a:off x="0" y="0"/>
+          <a:ext cx="0" cy="0"/>
+          <a:chOff x="0" y="0"/>
+          <a:chExt cx="0" cy="0"/>
+        </a:xfrm>
+      </p:grpSpPr>
+      <p:sp>
+        <p:nvSpPr>
+          <p:cNvPr id="2" name="Titre 1"/>
+          <p:cNvSpPr>
+            <a:spLocks noGrp="1"/>
+          </p:cNvSpPr>
+          <p:nvPr>
+            <p:ph type="title"/>
+          </p:nvPr>
+        </p:nvSpPr>
+        <p:spPr/>
+        <p:txBody>
+          <a:bodyPr/>
+          <a:lstStyle/>
+          <a:p>
+            <a:r>
+              <a:rPr lang="fr-FR" dirty="0"/>
+              <a:t>Rapid </a:t>
+            </a:r>
+            <a:r>
+              <a:rPr lang="fr-FR" dirty="0" err="1"/>
+              <a:t>Elasticity</a:t>
+            </a:r>
+            <a:endParaRPr lang="fr-FR" dirty="0"/>
+          </a:p>
+        </p:txBody>
+      </p:sp>
+      <p:sp>
+        <p:nvSpPr>
+          <p:cNvPr id="3" name="Espace réservé du contenu 2"/>
+          <p:cNvSpPr>
+            <a:spLocks noGrp="1"/>
+          </p:cNvSpPr>
+          <p:nvPr>
+            <p:ph idx="1"/>
+          </p:nvPr>
+        </p:nvSpPr>
+        <p:spPr/>
+        <p:txBody>
+          <a:bodyPr/>
+          <a:lstStyle/>
+          <a:p>
+            <a:r>
+              <a:rPr lang="fr-FR" dirty="0"/>
+              <a:t>La capacité de stockage et la puissance de calcul sont adaptées automatiquement au besoin d'un consommateur</a:t>
+            </a:r>
+          </a:p>
+          <a:p>
+            <a:r>
+              <a:rPr lang="fr-FR" dirty="0"/>
+              <a:t>Les capacités peuvent être élastiquement provisionnées et libérées</a:t>
+            </a:r>
+          </a:p>
+          <a:p>
+            <a:pPr lvl="1"/>
+            <a:r>
+              <a:rPr lang="fr-FR" dirty="0"/>
+              <a:t>semblent illimitées</a:t>
+            </a:r>
+          </a:p>
+        </p:txBody>
+      </p:sp>
+    </p:spTree>
+    <p:extLst>
+      <p:ext uri="{BB962C8B-B14F-4D97-AF65-F5344CB8AC3E}">
+        <p14:creationId xmlns:p14="http://schemas.microsoft.com/office/powerpoint/2010/main" val="900763774"/>
+      </p:ext>
+    </p:extLst>
+  </p:cSld>
+  <p:clrMapOvr>
+    <a:masterClrMapping/>
+  </p:clrMapOvr>
+</p:sld>
+</file>
+
+<file path=ppt/slides/slide27.xml><?xml version="1.0" encoding="utf-8"?>
+<p:sld xmlns:a="http://schemas.openxmlformats.org/drawingml/2006/main" xmlns:r="http://schemas.openxmlformats.org/officeDocument/2006/relationships" xmlns:p="http://schemas.openxmlformats.org/presentationml/2006/main">
+  <p:cSld>
+    <p:spTree>
+      <p:nvGrpSpPr>
+        <p:cNvPr id="1" name=""/>
+        <p:cNvGrpSpPr/>
+        <p:nvPr/>
+      </p:nvGrpSpPr>
+      <p:grpSpPr>
+        <a:xfrm>
+          <a:off x="0" y="0"/>
+          <a:ext cx="0" cy="0"/>
+          <a:chOff x="0" y="0"/>
+          <a:chExt cx="0" cy="0"/>
+        </a:xfrm>
+      </p:grpSpPr>
+      <p:sp>
+        <p:nvSpPr>
+          <p:cNvPr id="2" name="Titre 1"/>
+          <p:cNvSpPr>
+            <a:spLocks noGrp="1"/>
+          </p:cNvSpPr>
+          <p:nvPr>
+            <p:ph type="title"/>
+          </p:nvPr>
+        </p:nvSpPr>
+        <p:spPr/>
+        <p:txBody>
+          <a:bodyPr/>
+          <a:lstStyle/>
+          <a:p>
+            <a:r>
+              <a:rPr lang="fr-FR" dirty="0" err="1"/>
+              <a:t>Measured</a:t>
+            </a:r>
+            <a:r>
+              <a:rPr lang="fr-FR" dirty="0"/>
+              <a:t> Service</a:t>
+            </a:r>
+          </a:p>
+        </p:txBody>
+      </p:sp>
+      <p:sp>
+        <p:nvSpPr>
+          <p:cNvPr id="3" name="Espace réservé du contenu 2"/>
+          <p:cNvSpPr>
+            <a:spLocks noGrp="1"/>
+          </p:cNvSpPr>
+          <p:nvPr>
+            <p:ph idx="1"/>
+          </p:nvPr>
+        </p:nvSpPr>
+        <p:spPr/>
+        <p:txBody>
+          <a:bodyPr/>
+          <a:lstStyle/>
+          <a:p>
+            <a:r>
+              <a:rPr lang="fr-FR" dirty="0"/>
+              <a:t>la quantité de service consommée dans le cloud est mesurée pour des fins de facturation</a:t>
+            </a:r>
+          </a:p>
+        </p:txBody>
+      </p:sp>
+    </p:spTree>
+    <p:extLst>
+      <p:ext uri="{BB962C8B-B14F-4D97-AF65-F5344CB8AC3E}">
+        <p14:creationId xmlns:p14="http://schemas.microsoft.com/office/powerpoint/2010/main" val="1226829898"/>
+      </p:ext>
+    </p:extLst>
+  </p:cSld>
+  <p:clrMapOvr>
+    <a:masterClrMapping/>
+  </p:clrMapOvr>
+</p:sld>
+</file>
+
+<file path=ppt/slides/slide28.xml><?xml version="1.0" encoding="utf-8"?>
+<p:sld xmlns:a="http://schemas.openxmlformats.org/drawingml/2006/main" xmlns:r="http://schemas.openxmlformats.org/officeDocument/2006/relationships" xmlns:p="http://schemas.openxmlformats.org/presentationml/2006/main">
+  <p:cSld>
+    <p:spTree>
+      <p:nvGrpSpPr>
+        <p:cNvPr id="1" name=""/>
+        <p:cNvGrpSpPr/>
+        <p:nvPr/>
+      </p:nvGrpSpPr>
+      <p:grpSpPr>
+        <a:xfrm>
+          <a:off x="0" y="0"/>
+          <a:ext cx="0" cy="0"/>
+          <a:chOff x="0" y="0"/>
+          <a:chExt cx="0" cy="0"/>
+        </a:xfrm>
+      </p:grpSpPr>
+      <p:sp>
+        <p:nvSpPr>
+          <p:cNvPr id="2" name="Titre 1"/>
+          <p:cNvSpPr>
+            <a:spLocks noGrp="1"/>
+          </p:cNvSpPr>
+          <p:nvPr>
+            <p:ph type="title"/>
+          </p:nvPr>
+        </p:nvSpPr>
+        <p:spPr/>
+        <p:txBody>
+          <a:bodyPr/>
+          <a:lstStyle/>
+          <a:p>
+            <a:r>
+              <a:rPr lang="fr-FR" dirty="0"/>
+              <a:t>Les modèles de service</a:t>
+            </a:r>
+          </a:p>
+        </p:txBody>
+      </p:sp>
+      <p:sp>
+        <p:nvSpPr>
+          <p:cNvPr id="3" name="Espace réservé du contenu 2"/>
+          <p:cNvSpPr>
+            <a:spLocks noGrp="1"/>
+          </p:cNvSpPr>
+          <p:nvPr>
+            <p:ph idx="1"/>
+          </p:nvPr>
+        </p:nvSpPr>
+        <p:spPr/>
+        <p:txBody>
+          <a:bodyPr/>
+          <a:lstStyle/>
+          <a:p>
+            <a:r>
+              <a:rPr lang="fr-FR" dirty="0"/>
+              <a:t>Il existe 3 modèles </a:t>
+            </a:r>
+            <a:r>
+              <a:rPr lang="fr-FR"/>
+              <a:t>de services</a:t>
+            </a:r>
+            <a:endParaRPr lang="fr-FR" dirty="0"/>
+          </a:p>
+          <a:p>
+            <a:pPr lvl="1"/>
+            <a:r>
+              <a:rPr lang="fr-FR" dirty="0" err="1"/>
+              <a:t>IaaS</a:t>
+            </a:r>
+            <a:endParaRPr lang="fr-FR" dirty="0"/>
+          </a:p>
+          <a:p>
+            <a:pPr lvl="1"/>
+            <a:r>
+              <a:rPr lang="fr-FR" dirty="0" err="1"/>
+              <a:t>PaaS</a:t>
+            </a:r>
+            <a:endParaRPr lang="fr-FR" dirty="0"/>
+          </a:p>
+          <a:p>
+            <a:pPr lvl="1"/>
+            <a:r>
+              <a:rPr lang="fr-FR" dirty="0" err="1"/>
+              <a:t>SaaS</a:t>
+            </a:r>
+            <a:endParaRPr lang="fr-FR" dirty="0"/>
+          </a:p>
+        </p:txBody>
+      </p:sp>
+      <p:pic>
+        <p:nvPicPr>
+          <p:cNvPr id="4" name="Image 3"/>
+          <p:cNvPicPr>
+            <a:picLocks noChangeAspect="1"/>
+          </p:cNvPicPr>
+          <p:nvPr/>
+        </p:nvPicPr>
+        <p:blipFill>
+          <a:blip r:embed="rId2"/>
+          <a:stretch>
+            <a:fillRect/>
+          </a:stretch>
+        </p:blipFill>
+        <p:spPr>
+          <a:xfrm>
+            <a:off x="683568" y="1916832"/>
+            <a:ext cx="8291740" cy="4248472"/>
+          </a:xfrm>
+          <a:prstGeom prst="rect">
+            <a:avLst/>
+          </a:prstGeom>
+        </p:spPr>
+      </p:pic>
+    </p:spTree>
+    <p:extLst>
+      <p:ext uri="{BB962C8B-B14F-4D97-AF65-F5344CB8AC3E}">
+        <p14:creationId xmlns:p14="http://schemas.microsoft.com/office/powerpoint/2010/main" val="4111252016"/>
+      </p:ext>
+    </p:extLst>
+  </p:cSld>
+  <p:clrMapOvr>
+    <a:masterClrMapping/>
+  </p:clrMapOvr>
+</p:sld>
+</file>
+
+<file path=ppt/slides/slide29.xml><?xml version="1.0" encoding="utf-8"?>
+<p:sld xmlns:a="http://schemas.openxmlformats.org/drawingml/2006/main" xmlns:r="http://schemas.openxmlformats.org/officeDocument/2006/relationships" xmlns:p="http://schemas.openxmlformats.org/presentationml/2006/main">
+  <p:cSld>
+    <p:spTree>
+      <p:nvGrpSpPr>
+        <p:cNvPr id="1" name=""/>
+        <p:cNvGrpSpPr/>
+        <p:nvPr/>
+      </p:nvGrpSpPr>
+      <p:grpSpPr>
+        <a:xfrm>
+          <a:off x="0" y="0"/>
+          <a:ext cx="0" cy="0"/>
+          <a:chOff x="0" y="0"/>
+          <a:chExt cx="0" cy="0"/>
+        </a:xfrm>
+      </p:grpSpPr>
+      <p:sp>
+        <p:nvSpPr>
+          <p:cNvPr id="2" name="Titre 1"/>
+          <p:cNvSpPr>
+            <a:spLocks noGrp="1"/>
+          </p:cNvSpPr>
+          <p:nvPr>
+            <p:ph type="title"/>
+          </p:nvPr>
+        </p:nvSpPr>
+        <p:spPr/>
+        <p:txBody>
+          <a:bodyPr/>
+          <a:lstStyle/>
+          <a:p>
+            <a:r>
+              <a:rPr lang="fr-FR" dirty="0" err="1"/>
+              <a:t>IaaS</a:t>
+            </a:r>
+            <a:endParaRPr lang="fr-FR" dirty="0"/>
+          </a:p>
+        </p:txBody>
+      </p:sp>
+      <p:sp>
+        <p:nvSpPr>
+          <p:cNvPr id="3" name="Espace réservé du contenu 2"/>
+          <p:cNvSpPr>
+            <a:spLocks noGrp="1"/>
+          </p:cNvSpPr>
+          <p:nvPr>
+            <p:ph idx="1"/>
+          </p:nvPr>
+        </p:nvSpPr>
+        <p:spPr/>
+        <p:txBody>
+          <a:bodyPr/>
+          <a:lstStyle/>
+          <a:p>
+            <a:r>
+              <a:rPr lang="fr-FR" dirty="0"/>
+              <a:t>Infrastructure as a Service</a:t>
+            </a:r>
+          </a:p>
+          <a:p>
+            <a:r>
+              <a:rPr lang="fr-FR" dirty="0"/>
+              <a:t>Il consiste à offrir un accès à un parc informatique virtualisé</a:t>
+            </a:r>
+          </a:p>
+          <a:p>
+            <a:r>
+              <a:rPr lang="fr-FR" dirty="0"/>
+              <a:t>Des machines virtuelles sur lesquelles le consommateur peut installer un système d'exploitation et des applications</a:t>
+            </a:r>
+          </a:p>
+          <a:p>
+            <a:r>
+              <a:rPr lang="fr-FR" dirty="0"/>
+              <a:t>C'est le service de plus bas niveau</a:t>
+            </a:r>
+          </a:p>
+          <a:p>
+            <a:pPr lvl="1"/>
+            <a:r>
+              <a:rPr lang="fr-FR" dirty="0" err="1"/>
+              <a:t>Hosting</a:t>
+            </a:r>
+            <a:endParaRPr lang="fr-FR" dirty="0"/>
+          </a:p>
+          <a:p>
+            <a:pPr lvl="1"/>
+            <a:r>
+              <a:rPr lang="fr-FR" dirty="0"/>
+              <a:t>L'utilisateur contrôle lui-même l'OS</a:t>
+            </a:r>
+          </a:p>
+          <a:p>
+            <a:r>
+              <a:rPr lang="fr-FR" dirty="0"/>
+              <a:t>Exemples</a:t>
+            </a:r>
+          </a:p>
+          <a:p>
+            <a:pPr lvl="1"/>
+            <a:r>
+              <a:rPr lang="fr-FR" dirty="0"/>
+              <a:t>OVH, </a:t>
+            </a:r>
+            <a:r>
+              <a:rPr lang="en-US" dirty="0"/>
+              <a:t>AWS EC2</a:t>
+            </a:r>
+            <a:endParaRPr lang="fr-FR" dirty="0"/>
+          </a:p>
+        </p:txBody>
+      </p:sp>
+    </p:spTree>
+    <p:extLst>
+      <p:ext uri="{BB962C8B-B14F-4D97-AF65-F5344CB8AC3E}">
+        <p14:creationId xmlns:p14="http://schemas.microsoft.com/office/powerpoint/2010/main" val="3428219830"/>
       </p:ext>
     </p:extLst>
   </p:cSld>
@@ -5066,7 +6460,13 @@
       </p:grpSpPr>
       <p:sp>
         <p:nvSpPr>
-          <p:cNvPr id="2" name="Titre 1"/>
+          <p:cNvPr id="2" name="Titre 1">
+            <a:extLst>
+              <a:ext uri="{FF2B5EF4-FFF2-40B4-BE49-F238E27FC236}">
+                <a16:creationId xmlns:a16="http://schemas.microsoft.com/office/drawing/2014/main" id="{6A0CE0CC-A886-2D45-95F1-4F59931B6B46}"/>
+              </a:ext>
+            </a:extLst>
+          </p:cNvPr>
           <p:cNvSpPr>
             <a:spLocks noGrp="1"/>
           </p:cNvSpPr>
@@ -5080,15 +6480,22 @@
           <a:lstStyle/>
           <a:p>
             <a:r>
-              <a:rPr lang="fr-FR" dirty="0"/>
-              <a:t>ACID et 3V</a:t>
-            </a:r>
-          </a:p>
-        </p:txBody>
-      </p:sp>
-      <p:sp>
-        <p:nvSpPr>
-          <p:cNvPr id="3" name="Espace réservé du contenu 2"/>
+              <a:rPr lang="fr-FR" dirty="0" err="1"/>
+              <a:t>Datalake</a:t>
+            </a:r>
+            <a:endParaRPr lang="fr-FR" dirty="0"/>
+          </a:p>
+        </p:txBody>
+      </p:sp>
+      <p:sp>
+        <p:nvSpPr>
+          <p:cNvPr id="3" name="Espace réservé du contenu 2">
+            <a:extLst>
+              <a:ext uri="{FF2B5EF4-FFF2-40B4-BE49-F238E27FC236}">
+                <a16:creationId xmlns:a16="http://schemas.microsoft.com/office/drawing/2014/main" id="{DB38B6DB-A39A-B065-CEFE-6C4933E328AF}"/>
+              </a:ext>
+            </a:extLst>
+          </p:cNvPr>
           <p:cNvSpPr>
             <a:spLocks noGrp="1"/>
           </p:cNvSpPr>
@@ -5103,78 +6510,1508 @@
           <a:p>
             <a:r>
               <a:rPr lang="fr-FR" dirty="0"/>
-              <a:t>Les bases </a:t>
+              <a:t>Les Data </a:t>
             </a:r>
             <a:r>
               <a:rPr lang="fr-FR" dirty="0" err="1"/>
-              <a:t>Big</a:t>
-            </a:r>
-            <a:r>
-              <a:rPr lang="fr-FR" dirty="0"/>
-              <a:t> Data ne sont plus ACID</a:t>
+              <a:t>Lakes</a:t>
+            </a:r>
+            <a:r>
+              <a:rPr lang="fr-FR" dirty="0"/>
+              <a:t> sont une évolution naturelle de la technologie Big Data</a:t>
             </a:r>
           </a:p>
           <a:p>
             <a:pPr lvl="1"/>
             <a:r>
               <a:rPr lang="fr-FR" dirty="0"/>
-              <a:t>Atomique</a:t>
+              <a:t>Il s’agit d’un nouveau concept de stockage de données qui s’inscrit dans une logique contemporaine d’agilité et d’optimisation dans la gestion de données.</a:t>
             </a:r>
           </a:p>
           <a:p>
             <a:pPr lvl="1"/>
             <a:r>
               <a:rPr lang="fr-FR" dirty="0"/>
-              <a:t>Cohérente</a:t>
+              <a:t>Un Data Lake repose sur la possibilité de fournir un stockage global de l’ensemble des données présentes dans l’entreprise tout en y effectuant le moins de traitements possible.</a:t>
             </a:r>
           </a:p>
           <a:p>
             <a:pPr lvl="1"/>
-            <a:r>
-              <a:rPr lang="fr-FR" dirty="0"/>
-              <a:t>Intègre</a:t>
-            </a:r>
-          </a:p>
-          <a:p>
-            <a:pPr lvl="1"/>
-            <a:r>
-              <a:rPr lang="fr-FR" dirty="0"/>
-              <a:t>Disponible</a:t>
-            </a:r>
-          </a:p>
-          <a:p>
-            <a:r>
-              <a:rPr lang="fr-FR" dirty="0"/>
-              <a:t>Elles sont 3V</a:t>
-            </a:r>
-          </a:p>
-          <a:p>
-            <a:pPr lvl="1"/>
-            <a:r>
-              <a:rPr lang="fr-FR" dirty="0"/>
-              <a:t>Volume</a:t>
-            </a:r>
-          </a:p>
-          <a:p>
-            <a:pPr lvl="1"/>
-            <a:r>
-              <a:rPr lang="fr-FR" dirty="0"/>
-              <a:t>Véloce</a:t>
-            </a:r>
-          </a:p>
-          <a:p>
-            <a:pPr lvl="1"/>
-            <a:r>
-              <a:rPr lang="fr-FR" dirty="0"/>
-              <a:t>Variété</a:t>
-            </a:r>
+            <a:endParaRPr lang="fr-FR" dirty="0"/>
           </a:p>
         </p:txBody>
       </p:sp>
     </p:spTree>
     <p:extLst>
       <p:ext uri="{BB962C8B-B14F-4D97-AF65-F5344CB8AC3E}">
-        <p14:creationId xmlns:p14="http://schemas.microsoft.com/office/powerpoint/2010/main" val="3705158679"/>
+        <p14:creationId xmlns:p14="http://schemas.microsoft.com/office/powerpoint/2010/main" val="4132529890"/>
+      </p:ext>
+    </p:extLst>
+  </p:cSld>
+  <p:clrMapOvr>
+    <a:masterClrMapping/>
+  </p:clrMapOvr>
+</p:sld>
+</file>
+
+<file path=ppt/slides/slide30.xml><?xml version="1.0" encoding="utf-8"?>
+<p:sld xmlns:a="http://schemas.openxmlformats.org/drawingml/2006/main" xmlns:r="http://schemas.openxmlformats.org/officeDocument/2006/relationships" xmlns:p="http://schemas.openxmlformats.org/presentationml/2006/main">
+  <p:cSld>
+    <p:spTree>
+      <p:nvGrpSpPr>
+        <p:cNvPr id="1" name=""/>
+        <p:cNvGrpSpPr/>
+        <p:nvPr/>
+      </p:nvGrpSpPr>
+      <p:grpSpPr>
+        <a:xfrm>
+          <a:off x="0" y="0"/>
+          <a:ext cx="0" cy="0"/>
+          <a:chOff x="0" y="0"/>
+          <a:chExt cx="0" cy="0"/>
+        </a:xfrm>
+      </p:grpSpPr>
+      <p:sp>
+        <p:nvSpPr>
+          <p:cNvPr id="2" name="Titre 1"/>
+          <p:cNvSpPr>
+            <a:spLocks noGrp="1"/>
+          </p:cNvSpPr>
+          <p:nvPr>
+            <p:ph type="title"/>
+          </p:nvPr>
+        </p:nvSpPr>
+        <p:spPr/>
+        <p:txBody>
+          <a:bodyPr/>
+          <a:lstStyle/>
+          <a:p>
+            <a:r>
+              <a:rPr lang="fr-FR" dirty="0" err="1"/>
+              <a:t>PaaS</a:t>
+            </a:r>
+            <a:endParaRPr lang="fr-FR" dirty="0"/>
+          </a:p>
+        </p:txBody>
+      </p:sp>
+      <p:sp>
+        <p:nvSpPr>
+          <p:cNvPr id="3" name="Espace réservé du contenu 2"/>
+          <p:cNvSpPr>
+            <a:spLocks noGrp="1"/>
+          </p:cNvSpPr>
+          <p:nvPr>
+            <p:ph idx="1"/>
+          </p:nvPr>
+        </p:nvSpPr>
+        <p:spPr/>
+        <p:txBody>
+          <a:bodyPr/>
+          <a:lstStyle/>
+          <a:p>
+            <a:r>
+              <a:rPr lang="fr-FR" dirty="0"/>
+              <a:t>Platform as a Service</a:t>
+            </a:r>
+          </a:p>
+          <a:p>
+            <a:r>
+              <a:rPr lang="fr-FR" dirty="0"/>
+              <a:t>La capacité offerte au consommateur est de déployer sur l’Infrastructure du nuage les applications qu’il a crées lui-même, ou acquises</a:t>
+            </a:r>
+          </a:p>
+          <a:p>
+            <a:pPr lvl="1"/>
+            <a:r>
+              <a:rPr lang="fr-FR" dirty="0"/>
+              <a:t>Pourvu qu’elles soient créées à l'aide des langages de programmation, des bibliothèques, des services et d'outils pris en charge par la </a:t>
+            </a:r>
+            <a:r>
+              <a:rPr lang="fr-FR" dirty="0" err="1"/>
+              <a:t>platforme</a:t>
+            </a:r>
+            <a:endParaRPr lang="fr-FR" dirty="0"/>
+          </a:p>
+        </p:txBody>
+      </p:sp>
+    </p:spTree>
+    <p:extLst>
+      <p:ext uri="{BB962C8B-B14F-4D97-AF65-F5344CB8AC3E}">
+        <p14:creationId xmlns:p14="http://schemas.microsoft.com/office/powerpoint/2010/main" val="899079697"/>
+      </p:ext>
+    </p:extLst>
+  </p:cSld>
+  <p:clrMapOvr>
+    <a:masterClrMapping/>
+  </p:clrMapOvr>
+</p:sld>
+</file>
+
+<file path=ppt/slides/slide31.xml><?xml version="1.0" encoding="utf-8"?>
+<p:sld xmlns:a="http://schemas.openxmlformats.org/drawingml/2006/main" xmlns:r="http://schemas.openxmlformats.org/officeDocument/2006/relationships" xmlns:p="http://schemas.openxmlformats.org/presentationml/2006/main">
+  <p:cSld>
+    <p:spTree>
+      <p:nvGrpSpPr>
+        <p:cNvPr id="1" name=""/>
+        <p:cNvGrpSpPr/>
+        <p:nvPr/>
+      </p:nvGrpSpPr>
+      <p:grpSpPr>
+        <a:xfrm>
+          <a:off x="0" y="0"/>
+          <a:ext cx="0" cy="0"/>
+          <a:chOff x="0" y="0"/>
+          <a:chExt cx="0" cy="0"/>
+        </a:xfrm>
+      </p:grpSpPr>
+      <p:sp>
+        <p:nvSpPr>
+          <p:cNvPr id="2" name="Titre 1"/>
+          <p:cNvSpPr>
+            <a:spLocks noGrp="1"/>
+          </p:cNvSpPr>
+          <p:nvPr>
+            <p:ph type="title"/>
+          </p:nvPr>
+        </p:nvSpPr>
+        <p:spPr/>
+        <p:txBody>
+          <a:bodyPr/>
+          <a:lstStyle/>
+          <a:p>
+            <a:r>
+              <a:rPr lang="fr-FR" dirty="0" err="1"/>
+              <a:t>PaaS</a:t>
+            </a:r>
+            <a:endParaRPr lang="fr-FR" dirty="0"/>
+          </a:p>
+        </p:txBody>
+      </p:sp>
+      <p:sp>
+        <p:nvSpPr>
+          <p:cNvPr id="3" name="Espace réservé du contenu 2"/>
+          <p:cNvSpPr>
+            <a:spLocks noGrp="1"/>
+          </p:cNvSpPr>
+          <p:nvPr>
+            <p:ph idx="1"/>
+          </p:nvPr>
+        </p:nvSpPr>
+        <p:spPr/>
+        <p:txBody>
+          <a:bodyPr/>
+          <a:lstStyle/>
+          <a:p>
+            <a:r>
+              <a:rPr lang="fr-FR" dirty="0"/>
+              <a:t>Le consommateur ne gère pas ou ne contrôle pas l'infrastructure sous-jacente du cloud, y compris le réseau, les serveurs, les systèmes d'exploitation ou le stockage</a:t>
+            </a:r>
+          </a:p>
+          <a:p>
+            <a:pPr lvl="1"/>
+            <a:r>
+              <a:rPr lang="fr-FR" dirty="0"/>
+              <a:t>Mais contrôle les applications déployées et éventuellement les paramètres de configuration de l'environnement d'hébergement d'applications</a:t>
+            </a:r>
+          </a:p>
+          <a:p>
+            <a:r>
+              <a:rPr lang="fr-FR" dirty="0"/>
+              <a:t>Exemples</a:t>
+            </a:r>
+          </a:p>
+          <a:p>
+            <a:pPr lvl="1"/>
+            <a:r>
+              <a:rPr lang="fr-FR" dirty="0"/>
+              <a:t>Google Apps Engine, AWS S3, Microsoft Azure</a:t>
+            </a:r>
+          </a:p>
+        </p:txBody>
+      </p:sp>
+    </p:spTree>
+    <p:extLst>
+      <p:ext uri="{BB962C8B-B14F-4D97-AF65-F5344CB8AC3E}">
+        <p14:creationId xmlns:p14="http://schemas.microsoft.com/office/powerpoint/2010/main" val="410851435"/>
+      </p:ext>
+    </p:extLst>
+  </p:cSld>
+  <p:clrMapOvr>
+    <a:masterClrMapping/>
+  </p:clrMapOvr>
+</p:sld>
+</file>
+
+<file path=ppt/slides/slide32.xml><?xml version="1.0" encoding="utf-8"?>
+<p:sld xmlns:a="http://schemas.openxmlformats.org/drawingml/2006/main" xmlns:r="http://schemas.openxmlformats.org/officeDocument/2006/relationships" xmlns:p="http://schemas.openxmlformats.org/presentationml/2006/main">
+  <p:cSld>
+    <p:spTree>
+      <p:nvGrpSpPr>
+        <p:cNvPr id="1" name=""/>
+        <p:cNvGrpSpPr/>
+        <p:nvPr/>
+      </p:nvGrpSpPr>
+      <p:grpSpPr>
+        <a:xfrm>
+          <a:off x="0" y="0"/>
+          <a:ext cx="0" cy="0"/>
+          <a:chOff x="0" y="0"/>
+          <a:chExt cx="0" cy="0"/>
+        </a:xfrm>
+      </p:grpSpPr>
+      <p:sp>
+        <p:nvSpPr>
+          <p:cNvPr id="2" name="Titre 1"/>
+          <p:cNvSpPr>
+            <a:spLocks noGrp="1"/>
+          </p:cNvSpPr>
+          <p:nvPr>
+            <p:ph type="title"/>
+          </p:nvPr>
+        </p:nvSpPr>
+        <p:spPr/>
+        <p:txBody>
+          <a:bodyPr/>
+          <a:lstStyle/>
+          <a:p>
+            <a:r>
+              <a:rPr lang="fr-FR" dirty="0" err="1"/>
+              <a:t>SaaS</a:t>
+            </a:r>
+            <a:endParaRPr lang="fr-FR" dirty="0"/>
+          </a:p>
+        </p:txBody>
+      </p:sp>
+      <p:sp>
+        <p:nvSpPr>
+          <p:cNvPr id="3" name="Espace réservé du contenu 2"/>
+          <p:cNvSpPr>
+            <a:spLocks noGrp="1"/>
+          </p:cNvSpPr>
+          <p:nvPr>
+            <p:ph idx="1"/>
+          </p:nvPr>
+        </p:nvSpPr>
+        <p:spPr/>
+        <p:txBody>
+          <a:bodyPr/>
+          <a:lstStyle/>
+          <a:p>
+            <a:r>
+              <a:rPr lang="fr-FR" dirty="0"/>
+              <a:t>Software as a Service</a:t>
+            </a:r>
+          </a:p>
+          <a:p>
+            <a:r>
+              <a:rPr lang="fr-FR" dirty="0"/>
+              <a:t>La capacité offerte au consommateur consiste à utiliser les Applications du fournisseur s'exécutant sur une infrastructure cloud</a:t>
+            </a:r>
+          </a:p>
+          <a:p>
+            <a:pPr lvl="1"/>
+            <a:r>
+              <a:rPr lang="fr-FR" dirty="0"/>
+              <a:t>Le consommateur ne gère ni ne contrôle l'infrastructure sous-jacente du cloud, y compris le réseau, les serveurs, les systèmes d'exploitation, le stockage ou même les capacités d'application individuelles, à l'exception peut-être des paramètres de configuration des applications spécifiques aux utilisateurs</a:t>
+            </a:r>
+          </a:p>
+          <a:p>
+            <a:r>
+              <a:rPr lang="fr-FR" dirty="0"/>
+              <a:t>Exemple</a:t>
+            </a:r>
+          </a:p>
+          <a:p>
+            <a:pPr lvl="1"/>
+            <a:r>
+              <a:rPr lang="fr-FR" dirty="0"/>
+              <a:t>Google Docs, </a:t>
+            </a:r>
+            <a:r>
+              <a:rPr lang="fr-FR" dirty="0" err="1"/>
+              <a:t>GMail</a:t>
+            </a:r>
+            <a:r>
+              <a:rPr lang="fr-FR" dirty="0"/>
+              <a:t>, </a:t>
+            </a:r>
+            <a:r>
+              <a:rPr lang="fr-FR"/>
+              <a:t>Microsoft 365, AWS ECS</a:t>
+            </a:r>
+            <a:endParaRPr lang="fr-FR" dirty="0"/>
+          </a:p>
+          <a:p>
+            <a:endParaRPr lang="fr-FR" dirty="0"/>
+          </a:p>
+          <a:p>
+            <a:endParaRPr lang="fr-FR" dirty="0"/>
+          </a:p>
+          <a:p>
+            <a:endParaRPr lang="fr-FR" dirty="0"/>
+          </a:p>
+          <a:p>
+            <a:endParaRPr lang="fr-FR" dirty="0"/>
+          </a:p>
+          <a:p>
+            <a:endParaRPr lang="fr-FR" dirty="0"/>
+          </a:p>
+          <a:p>
+            <a:endParaRPr lang="fr-FR" dirty="0"/>
+          </a:p>
+          <a:p>
+            <a:endParaRPr lang="fr-FR" dirty="0"/>
+          </a:p>
+          <a:p>
+            <a:endParaRPr lang="fr-FR" dirty="0"/>
+          </a:p>
+          <a:p>
+            <a:endParaRPr lang="fr-FR" dirty="0"/>
+          </a:p>
+          <a:p>
+            <a:endParaRPr lang="fr-FR" dirty="0"/>
+          </a:p>
+          <a:p>
+            <a:endParaRPr lang="fr-FR" dirty="0"/>
+          </a:p>
+          <a:p>
+            <a:endParaRPr lang="fr-FR" dirty="0"/>
+          </a:p>
+          <a:p>
+            <a:endParaRPr lang="fr-FR" dirty="0"/>
+          </a:p>
+          <a:p>
+            <a:endParaRPr lang="fr-FR" dirty="0"/>
+          </a:p>
+          <a:p>
+            <a:endParaRPr lang="fr-FR" dirty="0"/>
+          </a:p>
+          <a:p>
+            <a:endParaRPr lang="fr-FR" dirty="0"/>
+          </a:p>
+          <a:p>
+            <a:endParaRPr lang="fr-FR" dirty="0"/>
+          </a:p>
+          <a:p>
+            <a:endParaRPr lang="fr-FR" dirty="0"/>
+          </a:p>
+          <a:p>
+            <a:endParaRPr lang="fr-FR" dirty="0"/>
+          </a:p>
+          <a:p>
+            <a:endParaRPr lang="fr-FR" dirty="0"/>
+          </a:p>
+          <a:p>
+            <a:endParaRPr lang="fr-FR" dirty="0"/>
+          </a:p>
+          <a:p>
+            <a:endParaRPr lang="fr-FR" dirty="0"/>
+          </a:p>
+          <a:p>
+            <a:endParaRPr lang="fr-FR" dirty="0"/>
+          </a:p>
+          <a:p>
+            <a:endParaRPr lang="fr-FR" dirty="0"/>
+          </a:p>
+          <a:p>
+            <a:endParaRPr lang="fr-FR" dirty="0"/>
+          </a:p>
+          <a:p>
+            <a:endParaRPr lang="fr-FR" dirty="0"/>
+          </a:p>
+          <a:p>
+            <a:endParaRPr lang="fr-FR" dirty="0"/>
+          </a:p>
+          <a:p>
+            <a:endParaRPr lang="fr-FR" dirty="0"/>
+          </a:p>
+          <a:p>
+            <a:endParaRPr lang="fr-FR" dirty="0"/>
+          </a:p>
+          <a:p>
+            <a:endParaRPr lang="fr-FR" dirty="0"/>
+          </a:p>
+          <a:p>
+            <a:endParaRPr lang="fr-FR" dirty="0"/>
+          </a:p>
+          <a:p>
+            <a:endParaRPr lang="fr-FR" dirty="0"/>
+          </a:p>
+          <a:p>
+            <a:endParaRPr lang="fr-FR" dirty="0"/>
+          </a:p>
+          <a:p>
+            <a:endParaRPr lang="fr-FR" dirty="0"/>
+          </a:p>
+          <a:p>
+            <a:endParaRPr lang="fr-FR" dirty="0"/>
+          </a:p>
+          <a:p>
+            <a:endParaRPr lang="fr-FR" dirty="0"/>
+          </a:p>
+          <a:p>
+            <a:endParaRPr lang="fr-FR" dirty="0"/>
+          </a:p>
+          <a:p>
+            <a:endParaRPr lang="fr-FR" dirty="0"/>
+          </a:p>
+          <a:p>
+            <a:endParaRPr lang="fr-FR" dirty="0"/>
+          </a:p>
+          <a:p>
+            <a:endParaRPr lang="fr-FR" dirty="0"/>
+          </a:p>
+          <a:p>
+            <a:endParaRPr lang="fr-FR" dirty="0"/>
+          </a:p>
+          <a:p>
+            <a:endParaRPr lang="fr-FR" dirty="0"/>
+          </a:p>
+          <a:p>
+            <a:endParaRPr lang="fr-FR" dirty="0"/>
+          </a:p>
+          <a:p>
+            <a:endParaRPr lang="fr-FR" dirty="0"/>
+          </a:p>
+          <a:p>
+            <a:endParaRPr lang="fr-FR" dirty="0"/>
+          </a:p>
+          <a:p>
+            <a:endParaRPr lang="fr-FR" dirty="0"/>
+          </a:p>
+          <a:p>
+            <a:endParaRPr lang="fr-FR" dirty="0"/>
+          </a:p>
+          <a:p>
+            <a:endParaRPr lang="fr-FR" dirty="0"/>
+          </a:p>
+          <a:p>
+            <a:endParaRPr lang="fr-FR" dirty="0"/>
+          </a:p>
+          <a:p>
+            <a:endParaRPr lang="fr-FR" dirty="0"/>
+          </a:p>
+          <a:p>
+            <a:endParaRPr lang="fr-FR" dirty="0"/>
+          </a:p>
+          <a:p>
+            <a:endParaRPr lang="fr-FR" dirty="0"/>
+          </a:p>
+          <a:p>
+            <a:endParaRPr lang="fr-FR" dirty="0"/>
+          </a:p>
+          <a:p>
+            <a:endParaRPr lang="fr-FR" dirty="0"/>
+          </a:p>
+          <a:p>
+            <a:endParaRPr lang="fr-FR" dirty="0"/>
+          </a:p>
+          <a:p>
+            <a:endParaRPr lang="fr-FR" dirty="0"/>
+          </a:p>
+          <a:p>
+            <a:endParaRPr lang="fr-FR" dirty="0"/>
+          </a:p>
+          <a:p>
+            <a:endParaRPr lang="fr-FR" dirty="0"/>
+          </a:p>
+          <a:p>
+            <a:endParaRPr lang="fr-FR" dirty="0"/>
+          </a:p>
+          <a:p>
+            <a:endParaRPr lang="fr-FR" dirty="0"/>
+          </a:p>
+          <a:p>
+            <a:endParaRPr lang="fr-FR" dirty="0"/>
+          </a:p>
+          <a:p>
+            <a:endParaRPr lang="fr-FR" dirty="0"/>
+          </a:p>
+          <a:p>
+            <a:endParaRPr lang="fr-FR" dirty="0"/>
+          </a:p>
+          <a:p>
+            <a:endParaRPr lang="fr-FR" dirty="0"/>
+          </a:p>
+          <a:p>
+            <a:endParaRPr lang="fr-FR" dirty="0"/>
+          </a:p>
+          <a:p>
+            <a:endParaRPr lang="fr-FR" dirty="0"/>
+          </a:p>
+          <a:p>
+            <a:endParaRPr lang="fr-FR" dirty="0"/>
+          </a:p>
+          <a:p>
+            <a:endParaRPr lang="fr-FR" dirty="0"/>
+          </a:p>
+          <a:p>
+            <a:endParaRPr lang="fr-FR" dirty="0"/>
+          </a:p>
+          <a:p>
+            <a:endParaRPr lang="fr-FR" dirty="0"/>
+          </a:p>
+          <a:p>
+            <a:endParaRPr lang="fr-FR" dirty="0"/>
+          </a:p>
+          <a:p>
+            <a:endParaRPr lang="fr-FR" dirty="0"/>
+          </a:p>
+          <a:p>
+            <a:endParaRPr lang="fr-FR" dirty="0"/>
+          </a:p>
+          <a:p>
+            <a:endParaRPr lang="fr-FR" dirty="0"/>
+          </a:p>
+          <a:p>
+            <a:endParaRPr lang="fr-FR" dirty="0"/>
+          </a:p>
+          <a:p>
+            <a:endParaRPr lang="fr-FR" dirty="0"/>
+          </a:p>
+          <a:p>
+            <a:endParaRPr lang="fr-FR" dirty="0"/>
+          </a:p>
+          <a:p>
+            <a:endParaRPr lang="fr-FR" dirty="0"/>
+          </a:p>
+          <a:p>
+            <a:endParaRPr lang="fr-FR" dirty="0"/>
+          </a:p>
+          <a:p>
+            <a:endParaRPr lang="fr-FR" dirty="0"/>
+          </a:p>
+          <a:p>
+            <a:endParaRPr lang="fr-FR" dirty="0"/>
+          </a:p>
+          <a:p>
+            <a:endParaRPr lang="fr-FR" dirty="0"/>
+          </a:p>
+          <a:p>
+            <a:endParaRPr lang="fr-FR" dirty="0"/>
+          </a:p>
+          <a:p>
+            <a:endParaRPr lang="fr-FR" dirty="0"/>
+          </a:p>
+          <a:p>
+            <a:endParaRPr lang="fr-FR" dirty="0"/>
+          </a:p>
+          <a:p>
+            <a:endParaRPr lang="fr-FR" dirty="0"/>
+          </a:p>
+          <a:p>
+            <a:endParaRPr lang="fr-FR" dirty="0"/>
+          </a:p>
+          <a:p>
+            <a:endParaRPr lang="fr-FR" dirty="0"/>
+          </a:p>
+          <a:p>
+            <a:endParaRPr lang="fr-FR" dirty="0"/>
+          </a:p>
+          <a:p>
+            <a:endParaRPr lang="fr-FR" dirty="0"/>
+          </a:p>
+          <a:p>
+            <a:endParaRPr lang="fr-FR" dirty="0"/>
+          </a:p>
+          <a:p>
+            <a:endParaRPr lang="fr-FR" dirty="0"/>
+          </a:p>
+          <a:p>
+            <a:endParaRPr lang="fr-FR" dirty="0"/>
+          </a:p>
+          <a:p>
+            <a:endParaRPr lang="fr-FR" dirty="0"/>
+          </a:p>
+          <a:p>
+            <a:endParaRPr lang="fr-FR" dirty="0"/>
+          </a:p>
+          <a:p>
+            <a:endParaRPr lang="fr-FR" dirty="0"/>
+          </a:p>
+          <a:p>
+            <a:endParaRPr lang="fr-FR" dirty="0"/>
+          </a:p>
+          <a:p>
+            <a:endParaRPr lang="fr-FR" dirty="0"/>
+          </a:p>
+          <a:p>
+            <a:endParaRPr lang="fr-FR" dirty="0"/>
+          </a:p>
+          <a:p>
+            <a:endParaRPr lang="fr-FR" dirty="0"/>
+          </a:p>
+          <a:p>
+            <a:endParaRPr lang="fr-FR" dirty="0"/>
+          </a:p>
+          <a:p>
+            <a:endParaRPr lang="fr-FR" dirty="0"/>
+          </a:p>
+          <a:p>
+            <a:endParaRPr lang="fr-FR" dirty="0"/>
+          </a:p>
+          <a:p>
+            <a:endParaRPr lang="fr-FR" dirty="0"/>
+          </a:p>
+          <a:p>
+            <a:endParaRPr lang="fr-FR" dirty="0"/>
+          </a:p>
+          <a:p>
+            <a:endParaRPr lang="fr-FR" dirty="0"/>
+          </a:p>
+          <a:p>
+            <a:endParaRPr lang="fr-FR" dirty="0"/>
+          </a:p>
+          <a:p>
+            <a:endParaRPr lang="fr-FR" dirty="0"/>
+          </a:p>
+          <a:p>
+            <a:endParaRPr lang="fr-FR" dirty="0"/>
+          </a:p>
+          <a:p>
+            <a:endParaRPr lang="fr-FR" dirty="0"/>
+          </a:p>
+          <a:p>
+            <a:endParaRPr lang="fr-FR" dirty="0"/>
+          </a:p>
+          <a:p>
+            <a:endParaRPr lang="fr-FR" dirty="0"/>
+          </a:p>
+          <a:p>
+            <a:endParaRPr lang="fr-FR" dirty="0"/>
+          </a:p>
+          <a:p>
+            <a:endParaRPr lang="fr-FR" dirty="0"/>
+          </a:p>
+          <a:p>
+            <a:endParaRPr lang="fr-FR" dirty="0"/>
+          </a:p>
+          <a:p>
+            <a:endParaRPr lang="fr-FR" dirty="0"/>
+          </a:p>
+          <a:p>
+            <a:endParaRPr lang="fr-FR" dirty="0"/>
+          </a:p>
+          <a:p>
+            <a:endParaRPr lang="fr-FR" dirty="0"/>
+          </a:p>
+          <a:p>
+            <a:endParaRPr lang="fr-FR" dirty="0"/>
+          </a:p>
+          <a:p>
+            <a:endParaRPr lang="fr-FR" dirty="0"/>
+          </a:p>
+          <a:p>
+            <a:endParaRPr lang="fr-FR" dirty="0"/>
+          </a:p>
+          <a:p>
+            <a:endParaRPr lang="fr-FR" dirty="0"/>
+          </a:p>
+          <a:p>
+            <a:endParaRPr lang="fr-FR" dirty="0"/>
+          </a:p>
+          <a:p>
+            <a:endParaRPr lang="fr-FR" dirty="0"/>
+          </a:p>
+          <a:p>
+            <a:endParaRPr lang="fr-FR" dirty="0"/>
+          </a:p>
+          <a:p>
+            <a:endParaRPr lang="fr-FR" dirty="0"/>
+          </a:p>
+          <a:p>
+            <a:endParaRPr lang="fr-FR" dirty="0"/>
+          </a:p>
+          <a:p>
+            <a:endParaRPr lang="fr-FR" dirty="0"/>
+          </a:p>
+          <a:p>
+            <a:endParaRPr lang="fr-FR" dirty="0"/>
+          </a:p>
+          <a:p>
+            <a:endParaRPr lang="fr-FR" dirty="0"/>
+          </a:p>
+          <a:p>
+            <a:endParaRPr lang="fr-FR" dirty="0"/>
+          </a:p>
+          <a:p>
+            <a:endParaRPr lang="fr-FR" dirty="0"/>
+          </a:p>
+          <a:p>
+            <a:endParaRPr lang="fr-FR" dirty="0"/>
+          </a:p>
+          <a:p>
+            <a:endParaRPr lang="fr-FR" dirty="0"/>
+          </a:p>
+          <a:p>
+            <a:endParaRPr lang="fr-FR" dirty="0"/>
+          </a:p>
+          <a:p>
+            <a:endParaRPr lang="fr-FR" dirty="0"/>
+          </a:p>
+          <a:p>
+            <a:endParaRPr lang="fr-FR" dirty="0"/>
+          </a:p>
+          <a:p>
+            <a:endParaRPr lang="fr-FR" dirty="0"/>
+          </a:p>
+          <a:p>
+            <a:endParaRPr lang="fr-FR" dirty="0"/>
+          </a:p>
+          <a:p>
+            <a:endParaRPr lang="fr-FR" dirty="0"/>
+          </a:p>
+          <a:p>
+            <a:endParaRPr lang="fr-FR" dirty="0"/>
+          </a:p>
+          <a:p>
+            <a:endParaRPr lang="fr-FR" dirty="0"/>
+          </a:p>
+          <a:p>
+            <a:endParaRPr lang="fr-FR" dirty="0"/>
+          </a:p>
+          <a:p>
+            <a:endParaRPr lang="fr-FR" dirty="0"/>
+          </a:p>
+          <a:p>
+            <a:endParaRPr lang="fr-FR" dirty="0"/>
+          </a:p>
+          <a:p>
+            <a:endParaRPr lang="fr-FR" dirty="0"/>
+          </a:p>
+          <a:p>
+            <a:endParaRPr lang="fr-FR" dirty="0"/>
+          </a:p>
+          <a:p>
+            <a:endParaRPr lang="fr-FR" dirty="0"/>
+          </a:p>
+          <a:p>
+            <a:endParaRPr lang="fr-FR" dirty="0"/>
+          </a:p>
+        </p:txBody>
+      </p:sp>
+    </p:spTree>
+    <p:extLst>
+      <p:ext uri="{BB962C8B-B14F-4D97-AF65-F5344CB8AC3E}">
+        <p14:creationId xmlns:p14="http://schemas.microsoft.com/office/powerpoint/2010/main" val="54436944"/>
+      </p:ext>
+    </p:extLst>
+  </p:cSld>
+  <p:clrMapOvr>
+    <a:masterClrMapping/>
+  </p:clrMapOvr>
+</p:sld>
+</file>
+
+<file path=ppt/slides/slide33.xml><?xml version="1.0" encoding="utf-8"?>
+<p:sld xmlns:a="http://schemas.openxmlformats.org/drawingml/2006/main" xmlns:r="http://schemas.openxmlformats.org/officeDocument/2006/relationships" xmlns:p="http://schemas.openxmlformats.org/presentationml/2006/main">
+  <p:cSld>
+    <p:spTree>
+      <p:nvGrpSpPr>
+        <p:cNvPr id="1" name=""/>
+        <p:cNvGrpSpPr/>
+        <p:nvPr/>
+      </p:nvGrpSpPr>
+      <p:grpSpPr>
+        <a:xfrm>
+          <a:off x="0" y="0"/>
+          <a:ext cx="0" cy="0"/>
+          <a:chOff x="0" y="0"/>
+          <a:chExt cx="0" cy="0"/>
+        </a:xfrm>
+      </p:grpSpPr>
+      <p:sp>
+        <p:nvSpPr>
+          <p:cNvPr id="2" name="Titre 1"/>
+          <p:cNvSpPr>
+            <a:spLocks noGrp="1"/>
+          </p:cNvSpPr>
+          <p:nvPr>
+            <p:ph type="title"/>
+          </p:nvPr>
+        </p:nvSpPr>
+        <p:spPr/>
+        <p:txBody>
+          <a:bodyPr/>
+          <a:lstStyle/>
+          <a:p>
+            <a:r>
+              <a:rPr lang="fr-FR" dirty="0" err="1"/>
+              <a:t>SaaS</a:t>
+            </a:r>
+            <a:endParaRPr lang="fr-FR" dirty="0"/>
+          </a:p>
+        </p:txBody>
+      </p:sp>
+      <p:sp>
+        <p:nvSpPr>
+          <p:cNvPr id="3" name="Espace réservé du contenu 2"/>
+          <p:cNvSpPr>
+            <a:spLocks noGrp="1"/>
+          </p:cNvSpPr>
+          <p:nvPr>
+            <p:ph idx="1"/>
+          </p:nvPr>
+        </p:nvSpPr>
+        <p:spPr/>
+        <p:txBody>
+          <a:bodyPr/>
+          <a:lstStyle/>
+          <a:p>
+            <a:endParaRPr lang="fr-FR"/>
+          </a:p>
+        </p:txBody>
+      </p:sp>
+      <p:pic>
+        <p:nvPicPr>
+          <p:cNvPr id="4" name="Image 3"/>
+          <p:cNvPicPr>
+            <a:picLocks noChangeAspect="1"/>
+          </p:cNvPicPr>
+          <p:nvPr/>
+        </p:nvPicPr>
+        <p:blipFill>
+          <a:blip r:embed="rId2"/>
+          <a:stretch>
+            <a:fillRect/>
+          </a:stretch>
+        </p:blipFill>
+        <p:spPr>
+          <a:xfrm>
+            <a:off x="115310" y="1156209"/>
+            <a:ext cx="9014441" cy="4845707"/>
+          </a:xfrm>
+          <a:prstGeom prst="rect">
+            <a:avLst/>
+          </a:prstGeom>
+        </p:spPr>
+      </p:pic>
+    </p:spTree>
+    <p:extLst>
+      <p:ext uri="{BB962C8B-B14F-4D97-AF65-F5344CB8AC3E}">
+        <p14:creationId xmlns:p14="http://schemas.microsoft.com/office/powerpoint/2010/main" val="2855075522"/>
+      </p:ext>
+    </p:extLst>
+  </p:cSld>
+  <p:clrMapOvr>
+    <a:masterClrMapping/>
+  </p:clrMapOvr>
+</p:sld>
+</file>
+
+<file path=ppt/slides/slide34.xml><?xml version="1.0" encoding="utf-8"?>
+<p:sld xmlns:a="http://schemas.openxmlformats.org/drawingml/2006/main" xmlns:r="http://schemas.openxmlformats.org/officeDocument/2006/relationships" xmlns:p="http://schemas.openxmlformats.org/presentationml/2006/main">
+  <p:cSld>
+    <p:spTree>
+      <p:nvGrpSpPr>
+        <p:cNvPr id="1" name=""/>
+        <p:cNvGrpSpPr/>
+        <p:nvPr/>
+      </p:nvGrpSpPr>
+      <p:grpSpPr>
+        <a:xfrm>
+          <a:off x="0" y="0"/>
+          <a:ext cx="0" cy="0"/>
+          <a:chOff x="0" y="0"/>
+          <a:chExt cx="0" cy="0"/>
+        </a:xfrm>
+      </p:grpSpPr>
+      <p:sp>
+        <p:nvSpPr>
+          <p:cNvPr id="2" name="Titre 1"/>
+          <p:cNvSpPr>
+            <a:spLocks noGrp="1"/>
+          </p:cNvSpPr>
+          <p:nvPr>
+            <p:ph type="title"/>
+          </p:nvPr>
+        </p:nvSpPr>
+        <p:spPr/>
+        <p:txBody>
+          <a:bodyPr/>
+          <a:lstStyle/>
+          <a:p>
+            <a:endParaRPr lang="fr-FR"/>
+          </a:p>
+        </p:txBody>
+      </p:sp>
+      <p:sp>
+        <p:nvSpPr>
+          <p:cNvPr id="3" name="Espace réservé du contenu 2"/>
+          <p:cNvSpPr>
+            <a:spLocks noGrp="1"/>
+          </p:cNvSpPr>
+          <p:nvPr>
+            <p:ph idx="1"/>
+          </p:nvPr>
+        </p:nvSpPr>
+        <p:spPr/>
+        <p:txBody>
+          <a:bodyPr/>
+          <a:lstStyle/>
+          <a:p>
+            <a:endParaRPr lang="fr-FR"/>
+          </a:p>
+        </p:txBody>
+      </p:sp>
+      <p:pic>
+        <p:nvPicPr>
+          <p:cNvPr id="4" name="Image 3"/>
+          <p:cNvPicPr>
+            <a:picLocks noChangeAspect="1"/>
+          </p:cNvPicPr>
+          <p:nvPr/>
+        </p:nvPicPr>
+        <p:blipFill>
+          <a:blip r:embed="rId2"/>
+          <a:stretch>
+            <a:fillRect/>
+          </a:stretch>
+        </p:blipFill>
+        <p:spPr>
+          <a:xfrm>
+            <a:off x="0" y="29870"/>
+            <a:ext cx="9144000" cy="6655550"/>
+          </a:xfrm>
+          <a:prstGeom prst="rect">
+            <a:avLst/>
+          </a:prstGeom>
+        </p:spPr>
+      </p:pic>
+    </p:spTree>
+    <p:extLst>
+      <p:ext uri="{BB962C8B-B14F-4D97-AF65-F5344CB8AC3E}">
+        <p14:creationId xmlns:p14="http://schemas.microsoft.com/office/powerpoint/2010/main" val="2869324403"/>
+      </p:ext>
+    </p:extLst>
+  </p:cSld>
+  <p:clrMapOvr>
+    <a:masterClrMapping/>
+  </p:clrMapOvr>
+</p:sld>
+</file>
+
+<file path=ppt/slides/slide35.xml><?xml version="1.0" encoding="utf-8"?>
+<p:sld xmlns:a="http://schemas.openxmlformats.org/drawingml/2006/main" xmlns:r="http://schemas.openxmlformats.org/officeDocument/2006/relationships" xmlns:p="http://schemas.openxmlformats.org/presentationml/2006/main">
+  <p:cSld>
+    <p:spTree>
+      <p:nvGrpSpPr>
+        <p:cNvPr id="1" name=""/>
+        <p:cNvGrpSpPr/>
+        <p:nvPr/>
+      </p:nvGrpSpPr>
+      <p:grpSpPr>
+        <a:xfrm>
+          <a:off x="0" y="0"/>
+          <a:ext cx="0" cy="0"/>
+          <a:chOff x="0" y="0"/>
+          <a:chExt cx="0" cy="0"/>
+        </a:xfrm>
+      </p:grpSpPr>
+      <p:sp>
+        <p:nvSpPr>
+          <p:cNvPr id="2" name="Titre 1"/>
+          <p:cNvSpPr>
+            <a:spLocks noGrp="1"/>
+          </p:cNvSpPr>
+          <p:nvPr>
+            <p:ph type="title"/>
+          </p:nvPr>
+        </p:nvSpPr>
+        <p:spPr/>
+        <p:txBody>
+          <a:bodyPr/>
+          <a:lstStyle/>
+          <a:p>
+            <a:r>
+              <a:rPr lang="fr-FR" dirty="0"/>
+              <a:t>Avantages</a:t>
+            </a:r>
+          </a:p>
+        </p:txBody>
+      </p:sp>
+      <p:sp>
+        <p:nvSpPr>
+          <p:cNvPr id="3" name="Espace réservé du contenu 2"/>
+          <p:cNvSpPr>
+            <a:spLocks noGrp="1"/>
+          </p:cNvSpPr>
+          <p:nvPr>
+            <p:ph idx="1"/>
+          </p:nvPr>
+        </p:nvSpPr>
+        <p:spPr/>
+        <p:txBody>
+          <a:bodyPr/>
+          <a:lstStyle/>
+          <a:p>
+            <a:r>
+              <a:rPr lang="fr-FR" dirty="0"/>
+              <a:t>Grande capacité des serveurs distants</a:t>
+            </a:r>
+          </a:p>
+          <a:p>
+            <a:r>
+              <a:rPr lang="fr-FR" dirty="0"/>
+              <a:t>Récupération rapide des données</a:t>
+            </a:r>
+          </a:p>
+          <a:p>
+            <a:r>
+              <a:rPr lang="fr-FR" dirty="0"/>
+              <a:t>Mises à jour automatiques</a:t>
+            </a:r>
+          </a:p>
+          <a:p>
+            <a:r>
+              <a:rPr lang="fr-FR" dirty="0"/>
+              <a:t>On peut travailler de façon collaborative où qu'on se trouve</a:t>
+            </a:r>
+          </a:p>
+          <a:p>
+            <a:r>
+              <a:rPr lang="fr-FR" dirty="0"/>
+              <a:t>On peut travailler à partir de n'importe où du moment que l'on à Internet</a:t>
+            </a:r>
+          </a:p>
+          <a:p>
+            <a:r>
+              <a:rPr lang="fr-FR" dirty="0"/>
+              <a:t>On retrouve toujours nos données</a:t>
+            </a:r>
+          </a:p>
+          <a:p>
+            <a:r>
+              <a:rPr lang="fr-FR" dirty="0"/>
+              <a:t>Sécurisé</a:t>
+            </a:r>
+          </a:p>
+        </p:txBody>
+      </p:sp>
+    </p:spTree>
+    <p:extLst>
+      <p:ext uri="{BB962C8B-B14F-4D97-AF65-F5344CB8AC3E}">
+        <p14:creationId xmlns:p14="http://schemas.microsoft.com/office/powerpoint/2010/main" val="794263254"/>
+      </p:ext>
+    </p:extLst>
+  </p:cSld>
+  <p:clrMapOvr>
+    <a:masterClrMapping/>
+  </p:clrMapOvr>
+</p:sld>
+</file>
+
+<file path=ppt/slides/slide36.xml><?xml version="1.0" encoding="utf-8"?>
+<p:sld xmlns:a="http://schemas.openxmlformats.org/drawingml/2006/main" xmlns:r="http://schemas.openxmlformats.org/officeDocument/2006/relationships" xmlns:p="http://schemas.openxmlformats.org/presentationml/2006/main">
+  <p:cSld>
+    <p:spTree>
+      <p:nvGrpSpPr>
+        <p:cNvPr id="1" name=""/>
+        <p:cNvGrpSpPr/>
+        <p:nvPr/>
+      </p:nvGrpSpPr>
+      <p:grpSpPr>
+        <a:xfrm>
+          <a:off x="0" y="0"/>
+          <a:ext cx="0" cy="0"/>
+          <a:chOff x="0" y="0"/>
+          <a:chExt cx="0" cy="0"/>
+        </a:xfrm>
+      </p:grpSpPr>
+      <p:sp>
+        <p:nvSpPr>
+          <p:cNvPr id="2" name="Titre 1"/>
+          <p:cNvSpPr>
+            <a:spLocks noGrp="1"/>
+          </p:cNvSpPr>
+          <p:nvPr>
+            <p:ph type="title"/>
+          </p:nvPr>
+        </p:nvSpPr>
+        <p:spPr/>
+        <p:txBody>
+          <a:bodyPr/>
+          <a:lstStyle/>
+          <a:p>
+            <a:r>
+              <a:rPr lang="fr-FR" dirty="0"/>
+              <a:t>Inconvénients</a:t>
+            </a:r>
+          </a:p>
+        </p:txBody>
+      </p:sp>
+      <p:sp>
+        <p:nvSpPr>
+          <p:cNvPr id="3" name="Espace réservé du contenu 2"/>
+          <p:cNvSpPr>
+            <a:spLocks noGrp="1"/>
+          </p:cNvSpPr>
+          <p:nvPr>
+            <p:ph idx="1"/>
+          </p:nvPr>
+        </p:nvSpPr>
+        <p:spPr/>
+        <p:txBody>
+          <a:bodyPr/>
+          <a:lstStyle/>
+          <a:p>
+            <a:r>
+              <a:rPr lang="fr-FR" dirty="0"/>
+              <a:t>On ne sait pas où sont stockées nos données</a:t>
+            </a:r>
+          </a:p>
+          <a:p>
+            <a:pPr lvl="1"/>
+            <a:r>
+              <a:rPr lang="fr-FR" dirty="0"/>
+              <a:t>pas forcément en France</a:t>
+            </a:r>
+          </a:p>
+          <a:p>
+            <a:r>
+              <a:rPr lang="fr-FR" dirty="0"/>
+              <a:t>Il faut avoir une bonne connexion Internet</a:t>
+            </a:r>
+          </a:p>
+          <a:p>
+            <a:r>
+              <a:rPr lang="fr-FR" dirty="0"/>
+              <a:t>Certaines applications via le cloud peuvent être très lente</a:t>
+            </a:r>
+          </a:p>
+          <a:p>
+            <a:r>
+              <a:rPr lang="fr-FR" dirty="0"/>
+              <a:t>Les salariés de l'entreprise doivent savoir utiliser le  cloud pour ne pas perdre de temps</a:t>
+            </a:r>
+          </a:p>
+          <a:p>
+            <a:r>
+              <a:rPr lang="fr-FR" dirty="0"/>
+              <a:t>Espionnage</a:t>
+            </a:r>
+          </a:p>
+        </p:txBody>
+      </p:sp>
+    </p:spTree>
+    <p:extLst>
+      <p:ext uri="{BB962C8B-B14F-4D97-AF65-F5344CB8AC3E}">
+        <p14:creationId xmlns:p14="http://schemas.microsoft.com/office/powerpoint/2010/main" val="3613641010"/>
+      </p:ext>
+    </p:extLst>
+  </p:cSld>
+  <p:clrMapOvr>
+    <a:masterClrMapping/>
+  </p:clrMapOvr>
+</p:sld>
+</file>
+
+<file path=ppt/slides/slide37.xml><?xml version="1.0" encoding="utf-8"?>
+<p:sld xmlns:a="http://schemas.openxmlformats.org/drawingml/2006/main" xmlns:r="http://schemas.openxmlformats.org/officeDocument/2006/relationships" xmlns:p="http://schemas.openxmlformats.org/presentationml/2006/main">
+  <p:cSld>
+    <p:spTree>
+      <p:nvGrpSpPr>
+        <p:cNvPr id="1" name=""/>
+        <p:cNvGrpSpPr/>
+        <p:nvPr/>
+      </p:nvGrpSpPr>
+      <p:grpSpPr>
+        <a:xfrm>
+          <a:off x="0" y="0"/>
+          <a:ext cx="0" cy="0"/>
+          <a:chOff x="0" y="0"/>
+          <a:chExt cx="0" cy="0"/>
+        </a:xfrm>
+      </p:grpSpPr>
+      <p:sp>
+        <p:nvSpPr>
+          <p:cNvPr id="2" name="Titre 1"/>
+          <p:cNvSpPr>
+            <a:spLocks noGrp="1"/>
+          </p:cNvSpPr>
+          <p:nvPr>
+            <p:ph type="title"/>
+          </p:nvPr>
+        </p:nvSpPr>
+        <p:spPr/>
+        <p:txBody>
+          <a:bodyPr/>
+          <a:lstStyle/>
+          <a:p>
+            <a:r>
+              <a:rPr lang="fr-FR" dirty="0"/>
+              <a:t>TCO</a:t>
+            </a:r>
+          </a:p>
+        </p:txBody>
+      </p:sp>
+      <p:sp>
+        <p:nvSpPr>
+          <p:cNvPr id="3" name="Espace réservé du contenu 2"/>
+          <p:cNvSpPr>
+            <a:spLocks noGrp="1"/>
+          </p:cNvSpPr>
+          <p:nvPr>
+            <p:ph idx="1"/>
+          </p:nvPr>
+        </p:nvSpPr>
+        <p:spPr/>
+        <p:txBody>
+          <a:bodyPr/>
+          <a:lstStyle/>
+          <a:p>
+            <a:r>
+              <a:rPr lang="fr-FR" dirty="0"/>
+              <a:t>TCO (coût de possession)</a:t>
+            </a:r>
+          </a:p>
+          <a:p>
+            <a:r>
+              <a:rPr lang="fr-FR" dirty="0"/>
+              <a:t>Serveur, switch, câble, énergie, baie, salle machine, climatisation, maintenance, crédit, assurance</a:t>
+            </a:r>
+          </a:p>
+          <a:p>
+            <a:r>
+              <a:rPr lang="fr-FR" dirty="0"/>
+              <a:t>Comparaison à qualité égale</a:t>
+            </a:r>
+          </a:p>
+        </p:txBody>
+      </p:sp>
+    </p:spTree>
+    <p:extLst>
+      <p:ext uri="{BB962C8B-B14F-4D97-AF65-F5344CB8AC3E}">
+        <p14:creationId xmlns:p14="http://schemas.microsoft.com/office/powerpoint/2010/main" val="3514181657"/>
+      </p:ext>
+    </p:extLst>
+  </p:cSld>
+  <p:clrMapOvr>
+    <a:masterClrMapping/>
+  </p:clrMapOvr>
+</p:sld>
+</file>
+
+<file path=ppt/slides/slide38.xml><?xml version="1.0" encoding="utf-8"?>
+<p:sld xmlns:a="http://schemas.openxmlformats.org/drawingml/2006/main" xmlns:r="http://schemas.openxmlformats.org/officeDocument/2006/relationships" xmlns:p="http://schemas.openxmlformats.org/presentationml/2006/main">
+  <p:cSld>
+    <p:spTree>
+      <p:nvGrpSpPr>
+        <p:cNvPr id="1" name=""/>
+        <p:cNvGrpSpPr/>
+        <p:nvPr/>
+      </p:nvGrpSpPr>
+      <p:grpSpPr>
+        <a:xfrm>
+          <a:off x="0" y="0"/>
+          <a:ext cx="0" cy="0"/>
+          <a:chOff x="0" y="0"/>
+          <a:chExt cx="0" cy="0"/>
+        </a:xfrm>
+      </p:grpSpPr>
+      <p:sp>
+        <p:nvSpPr>
+          <p:cNvPr id="2" name="Titre 1">
+            <a:extLst>
+              <a:ext uri="{FF2B5EF4-FFF2-40B4-BE49-F238E27FC236}">
+                <a16:creationId xmlns:a16="http://schemas.microsoft.com/office/drawing/2014/main" id="{B4CA0011-E807-B511-258A-41659936F013}"/>
+              </a:ext>
+            </a:extLst>
+          </p:cNvPr>
+          <p:cNvSpPr>
+            <a:spLocks noGrp="1"/>
+          </p:cNvSpPr>
+          <p:nvPr>
+            <p:ph type="title"/>
+          </p:nvPr>
+        </p:nvSpPr>
+        <p:spPr/>
+        <p:txBody>
+          <a:bodyPr/>
+          <a:lstStyle/>
+          <a:p>
+            <a:r>
+              <a:rPr lang="fr-FR" dirty="0"/>
+              <a:t>Les acteurs du Cloud</a:t>
+            </a:r>
+          </a:p>
+        </p:txBody>
+      </p:sp>
+      <p:sp>
+        <p:nvSpPr>
+          <p:cNvPr id="3" name="Espace réservé du contenu 2">
+            <a:extLst>
+              <a:ext uri="{FF2B5EF4-FFF2-40B4-BE49-F238E27FC236}">
+                <a16:creationId xmlns:a16="http://schemas.microsoft.com/office/drawing/2014/main" id="{9B9B6073-3C30-C73F-F645-144253C657E9}"/>
+              </a:ext>
+            </a:extLst>
+          </p:cNvPr>
+          <p:cNvSpPr>
+            <a:spLocks noGrp="1"/>
+          </p:cNvSpPr>
+          <p:nvPr>
+            <p:ph idx="1"/>
+          </p:nvPr>
+        </p:nvSpPr>
+        <p:spPr/>
+        <p:txBody>
+          <a:bodyPr/>
+          <a:lstStyle/>
+          <a:p>
+            <a:r>
+              <a:rPr lang="fr-FR" dirty="0"/>
+              <a:t>Amazon Web Service AWS</a:t>
+            </a:r>
+          </a:p>
+          <a:p>
+            <a:r>
+              <a:rPr lang="fr-FR" dirty="0"/>
+              <a:t>Microsoft Azure</a:t>
+            </a:r>
+          </a:p>
+          <a:p>
+            <a:r>
+              <a:rPr lang="fr-FR" dirty="0"/>
+              <a:t>Google Cloud</a:t>
+            </a:r>
+          </a:p>
+          <a:p>
+            <a:r>
+              <a:rPr lang="fr-FR" dirty="0"/>
+              <a:t>Les Européens</a:t>
+            </a:r>
+          </a:p>
+          <a:p>
+            <a:pPr lvl="1"/>
+            <a:r>
+              <a:rPr lang="fr-FR" dirty="0"/>
+              <a:t>OVH</a:t>
+            </a:r>
+          </a:p>
+          <a:p>
+            <a:pPr lvl="1"/>
+            <a:r>
+              <a:rPr lang="fr-FR" dirty="0" err="1"/>
+              <a:t>Infomaniak</a:t>
+            </a:r>
+            <a:endParaRPr lang="fr-FR" dirty="0"/>
+          </a:p>
+          <a:p>
+            <a:pPr lvl="1"/>
+            <a:r>
+              <a:rPr lang="fr-FR" dirty="0"/>
+              <a:t>…</a:t>
+            </a:r>
+          </a:p>
+        </p:txBody>
+      </p:sp>
+    </p:spTree>
+    <p:extLst>
+      <p:ext uri="{BB962C8B-B14F-4D97-AF65-F5344CB8AC3E}">
+        <p14:creationId xmlns:p14="http://schemas.microsoft.com/office/powerpoint/2010/main" val="551884943"/>
+      </p:ext>
+    </p:extLst>
+  </p:cSld>
+  <p:clrMapOvr>
+    <a:masterClrMapping/>
+  </p:clrMapOvr>
+</p:sld>
+</file>
+
+<file path=ppt/slides/slide39.xml><?xml version="1.0" encoding="utf-8"?>
+<p:sld xmlns:a="http://schemas.openxmlformats.org/drawingml/2006/main" xmlns:r="http://schemas.openxmlformats.org/officeDocument/2006/relationships" xmlns:p="http://schemas.openxmlformats.org/presentationml/2006/main">
+  <p:cSld>
+    <p:spTree>
+      <p:nvGrpSpPr>
+        <p:cNvPr id="1" name=""/>
+        <p:cNvGrpSpPr/>
+        <p:nvPr/>
+      </p:nvGrpSpPr>
+      <p:grpSpPr>
+        <a:xfrm>
+          <a:off x="0" y="0"/>
+          <a:ext cx="0" cy="0"/>
+          <a:chOff x="0" y="0"/>
+          <a:chExt cx="0" cy="0"/>
+        </a:xfrm>
+      </p:grpSpPr>
+      <p:sp>
+        <p:nvSpPr>
+          <p:cNvPr id="2" name="Titre 1">
+            <a:extLst>
+              <a:ext uri="{FF2B5EF4-FFF2-40B4-BE49-F238E27FC236}">
+                <a16:creationId xmlns:a16="http://schemas.microsoft.com/office/drawing/2014/main" id="{686F0D01-3662-FF89-DE44-B58612C8727D}"/>
+              </a:ext>
+            </a:extLst>
+          </p:cNvPr>
+          <p:cNvSpPr>
+            <a:spLocks noGrp="1"/>
+          </p:cNvSpPr>
+          <p:nvPr>
+            <p:ph type="title"/>
+          </p:nvPr>
+        </p:nvSpPr>
+        <p:spPr/>
+        <p:txBody>
+          <a:bodyPr/>
+          <a:lstStyle/>
+          <a:p>
+            <a:r>
+              <a:rPr lang="fr-FR" dirty="0"/>
+              <a:t>Les solutions locales</a:t>
+            </a:r>
+          </a:p>
+        </p:txBody>
+      </p:sp>
+      <p:sp>
+        <p:nvSpPr>
+          <p:cNvPr id="3" name="Espace réservé du contenu 2">
+            <a:extLst>
+              <a:ext uri="{FF2B5EF4-FFF2-40B4-BE49-F238E27FC236}">
+                <a16:creationId xmlns:a16="http://schemas.microsoft.com/office/drawing/2014/main" id="{4E3AAA16-A0B9-2130-955A-0E9FF3B0A3B1}"/>
+              </a:ext>
+            </a:extLst>
+          </p:cNvPr>
+          <p:cNvSpPr>
+            <a:spLocks noGrp="1"/>
+          </p:cNvSpPr>
+          <p:nvPr>
+            <p:ph idx="1"/>
+          </p:nvPr>
+        </p:nvSpPr>
+        <p:spPr/>
+        <p:txBody>
+          <a:bodyPr/>
+          <a:lstStyle/>
+          <a:p>
+            <a:r>
+              <a:rPr lang="fr-FR" dirty="0"/>
+              <a:t>Complexes</a:t>
+            </a:r>
+          </a:p>
+          <a:p>
+            <a:r>
+              <a:rPr lang="fr-FR" dirty="0"/>
+              <a:t>Cloudera</a:t>
+            </a:r>
+          </a:p>
+          <a:p>
+            <a:pPr lvl="1"/>
+            <a:r>
+              <a:rPr lang="fr-FR" dirty="0"/>
+              <a:t>VM prêtes </a:t>
+            </a:r>
+            <a:r>
+              <a:rPr lang="fr-FR"/>
+              <a:t>à l’emploi</a:t>
+            </a:r>
+          </a:p>
+        </p:txBody>
+      </p:sp>
+    </p:spTree>
+    <p:extLst>
+      <p:ext uri="{BB962C8B-B14F-4D97-AF65-F5344CB8AC3E}">
+        <p14:creationId xmlns:p14="http://schemas.microsoft.com/office/powerpoint/2010/main" val="3361347497"/>
       </p:ext>
     </p:extLst>
   </p:cSld>
@@ -5203,7 +8040,13 @@
       </p:grpSpPr>
       <p:sp>
         <p:nvSpPr>
-          <p:cNvPr id="2" name="Titre 1"/>
+          <p:cNvPr id="2" name="Titre 1">
+            <a:extLst>
+              <a:ext uri="{FF2B5EF4-FFF2-40B4-BE49-F238E27FC236}">
+                <a16:creationId xmlns:a16="http://schemas.microsoft.com/office/drawing/2014/main" id="{6A0CE0CC-A886-2D45-95F1-4F59931B6B46}"/>
+              </a:ext>
+            </a:extLst>
+          </p:cNvPr>
           <p:cNvSpPr>
             <a:spLocks noGrp="1"/>
           </p:cNvSpPr>
@@ -5217,15 +8060,25 @@
           <a:lstStyle/>
           <a:p>
             <a:r>
-              <a:rPr lang="fr-FR" dirty="0"/>
-              <a:t>Volume</a:t>
-            </a:r>
-          </a:p>
-        </p:txBody>
-      </p:sp>
-      <p:sp>
-        <p:nvSpPr>
-          <p:cNvPr id="3" name="Espace réservé du contenu 2"/>
+              <a:rPr lang="fr-FR" dirty="0" err="1"/>
+              <a:t>Datalake</a:t>
+            </a:r>
+            <a:r>
+              <a:rPr lang="fr-FR" dirty="0"/>
+              <a:t> : types de documents</a:t>
+            </a:r>
+          </a:p>
+        </p:txBody>
+      </p:sp>
+      <p:sp>
+        <p:nvSpPr>
+          <p:cNvPr id="3" name="Espace réservé du contenu 2">
+            <a:extLst>
+              <a:ext uri="{FF2B5EF4-FFF2-40B4-BE49-F238E27FC236}">
+                <a16:creationId xmlns:a16="http://schemas.microsoft.com/office/drawing/2014/main" id="{DB38B6DB-A39A-B065-CEFE-6C4933E328AF}"/>
+              </a:ext>
+            </a:extLst>
+          </p:cNvPr>
           <p:cNvSpPr>
             <a:spLocks noGrp="1"/>
           </p:cNvSpPr>
@@ -5240,44 +8093,43 @@
           <a:p>
             <a:r>
               <a:rPr lang="fr-FR" dirty="0"/>
-              <a:t>Dans les systèmes d’information en place dans les entreprises, les volumes de données traités se mesurent en téraoctets</a:t>
-            </a:r>
-          </a:p>
-          <a:p>
-            <a:r>
-              <a:rPr lang="fr-FR" dirty="0"/>
-              <a:t>Le challenge immédiat de l’IT traditionnel est d’être en capacité de traiter des </a:t>
-            </a:r>
-            <a:r>
-              <a:rPr lang="fr-FR" dirty="0" err="1"/>
-              <a:t>Pétaoctets</a:t>
-            </a:r>
-            <a:r>
-              <a:rPr lang="fr-FR" dirty="0"/>
-              <a:t> et bientôt des </a:t>
-            </a:r>
-            <a:r>
-              <a:rPr lang="fr-FR" dirty="0" err="1"/>
-              <a:t>Exaoctets</a:t>
-            </a:r>
-            <a:r>
-              <a:rPr lang="fr-FR" dirty="0"/>
-              <a:t> puis des </a:t>
-            </a:r>
-            <a:r>
-              <a:rPr lang="fr-FR" dirty="0" err="1"/>
-              <a:t>Zettaoctets</a:t>
-            </a:r>
-            <a:r>
-              <a:rPr lang="fr-FR" dirty="0"/>
-              <a:t>.</a:t>
+              <a:t>Les données ainsi stockées sans classifications ni transformations aucune, peuvent être de tout type :</a:t>
             </a:r>
           </a:p>
           <a:p>
             <a:pPr lvl="1"/>
             <a:r>
               <a:rPr lang="fr-FR" dirty="0"/>
-              <a:t>S’ensuivent une longue liste de questions auxquelles les spécialistes doivent apporter une réponse à plus ou moins long terme : quels sont les coûts ? Quels sont les outils de stockage et de traitement en temps réel ? Quelles sont les méthodes à adopter pour analyser l’information ? Quels sont les moyens pour archiver ? </a:t>
+              <a:t>des données structurées venant d’une base de données relationnelle comme MySQL ou SQL Server,</a:t>
+            </a:r>
+          </a:p>
+          <a:p>
+            <a:pPr lvl="1"/>
+            <a:r>
+              <a:rPr lang="fr-FR" dirty="0"/>
+              <a:t>des données semi-structurées (CSV, XML, JSON…),</a:t>
+            </a:r>
+          </a:p>
+          <a:p>
+            <a:pPr lvl="1"/>
+            <a:r>
+              <a:rPr lang="fr-FR"/>
+              <a:t>des </a:t>
+            </a:r>
+            <a:r>
+              <a:rPr lang="fr-FR" dirty="0"/>
+              <a:t>données non structurées (E-Mail, PDF, documents…),</a:t>
+            </a:r>
+          </a:p>
+          <a:p>
+            <a:pPr lvl="1"/>
+            <a:r>
+              <a:rPr lang="fr-FR"/>
+              <a:t>des </a:t>
+            </a:r>
+            <a:r>
+              <a:rPr lang="fr-FR" dirty="0"/>
+              <a:t>données binaires (images, audios, vidéos…).</a:t>
             </a:r>
           </a:p>
         </p:txBody>
@@ -5285,7 +8137,780 @@
     </p:spTree>
     <p:extLst>
       <p:ext uri="{BB962C8B-B14F-4D97-AF65-F5344CB8AC3E}">
-        <p14:creationId xmlns:p14="http://schemas.microsoft.com/office/powerpoint/2010/main" val="3904163269"/>
+        <p14:creationId xmlns:p14="http://schemas.microsoft.com/office/powerpoint/2010/main" val="1063181872"/>
+      </p:ext>
+    </p:extLst>
+  </p:cSld>
+  <p:clrMapOvr>
+    <a:masterClrMapping/>
+  </p:clrMapOvr>
+</p:sld>
+</file>
+
+<file path=ppt/slides/slide40.xml><?xml version="1.0" encoding="utf-8"?>
+<p:sld xmlns:a="http://schemas.openxmlformats.org/drawingml/2006/main" xmlns:r="http://schemas.openxmlformats.org/officeDocument/2006/relationships" xmlns:p="http://schemas.openxmlformats.org/presentationml/2006/main">
+  <p:cSld>
+    <p:spTree>
+      <p:nvGrpSpPr>
+        <p:cNvPr id="1" name=""/>
+        <p:cNvGrpSpPr/>
+        <p:nvPr/>
+      </p:nvGrpSpPr>
+      <p:grpSpPr>
+        <a:xfrm>
+          <a:off x="0" y="0"/>
+          <a:ext cx="0" cy="0"/>
+          <a:chOff x="0" y="0"/>
+          <a:chExt cx="0" cy="0"/>
+        </a:xfrm>
+      </p:grpSpPr>
+      <p:sp>
+        <p:nvSpPr>
+          <p:cNvPr id="2" name="Titre 1">
+            <a:extLst>
+              <a:ext uri="{FF2B5EF4-FFF2-40B4-BE49-F238E27FC236}">
+                <a16:creationId xmlns:a16="http://schemas.microsoft.com/office/drawing/2014/main" id="{500C81AD-6FA8-CF68-56BE-9CE0E08C96F3}"/>
+              </a:ext>
+            </a:extLst>
+          </p:cNvPr>
+          <p:cNvSpPr>
+            <a:spLocks noGrp="1"/>
+          </p:cNvSpPr>
+          <p:nvPr>
+            <p:ph type="title"/>
+          </p:nvPr>
+        </p:nvSpPr>
+        <p:spPr/>
+        <p:txBody>
+          <a:bodyPr/>
+          <a:lstStyle/>
+          <a:p>
+            <a:r>
+              <a:rPr lang="fr-FR" dirty="0"/>
+              <a:t>Vue historique</a:t>
+            </a:r>
+          </a:p>
+        </p:txBody>
+      </p:sp>
+      <p:sp>
+        <p:nvSpPr>
+          <p:cNvPr id="3" name="Espace réservé du contenu 2">
+            <a:extLst>
+              <a:ext uri="{FF2B5EF4-FFF2-40B4-BE49-F238E27FC236}">
+                <a16:creationId xmlns:a16="http://schemas.microsoft.com/office/drawing/2014/main" id="{5A6632A6-9481-A19A-030C-D3B0EE122499}"/>
+              </a:ext>
+            </a:extLst>
+          </p:cNvPr>
+          <p:cNvSpPr>
+            <a:spLocks noGrp="1"/>
+          </p:cNvSpPr>
+          <p:nvPr>
+            <p:ph idx="1"/>
+          </p:nvPr>
+        </p:nvSpPr>
+        <p:spPr/>
+        <p:txBody>
+          <a:bodyPr/>
+          <a:lstStyle/>
+          <a:p>
+            <a:r>
+              <a:rPr lang="fr-FR" dirty="0"/>
+              <a:t>De 10000m d’altitude</a:t>
+            </a:r>
+          </a:p>
+        </p:txBody>
+      </p:sp>
+      <p:pic>
+        <p:nvPicPr>
+          <p:cNvPr id="5" name="Image 4">
+            <a:extLst>
+              <a:ext uri="{FF2B5EF4-FFF2-40B4-BE49-F238E27FC236}">
+                <a16:creationId xmlns:a16="http://schemas.microsoft.com/office/drawing/2014/main" id="{3CAFA0FD-19FD-B029-9A2B-9FFD2D17BFFA}"/>
+              </a:ext>
+            </a:extLst>
+          </p:cNvPr>
+          <p:cNvPicPr>
+            <a:picLocks noChangeAspect="1"/>
+          </p:cNvPicPr>
+          <p:nvPr/>
+        </p:nvPicPr>
+        <p:blipFill>
+          <a:blip r:embed="rId2"/>
+          <a:stretch>
+            <a:fillRect/>
+          </a:stretch>
+        </p:blipFill>
+        <p:spPr>
+          <a:xfrm>
+            <a:off x="430171" y="2640261"/>
+            <a:ext cx="8283658" cy="1577477"/>
+          </a:xfrm>
+          <a:prstGeom prst="rect">
+            <a:avLst/>
+          </a:prstGeom>
+        </p:spPr>
+      </p:pic>
+    </p:spTree>
+    <p:extLst>
+      <p:ext uri="{BB962C8B-B14F-4D97-AF65-F5344CB8AC3E}">
+        <p14:creationId xmlns:p14="http://schemas.microsoft.com/office/powerpoint/2010/main" val="2356202328"/>
+      </p:ext>
+    </p:extLst>
+  </p:cSld>
+  <p:clrMapOvr>
+    <a:masterClrMapping/>
+  </p:clrMapOvr>
+</p:sld>
+</file>
+
+<file path=ppt/slides/slide41.xml><?xml version="1.0" encoding="utf-8"?>
+<p:sld xmlns:a="http://schemas.openxmlformats.org/drawingml/2006/main" xmlns:r="http://schemas.openxmlformats.org/officeDocument/2006/relationships" xmlns:p="http://schemas.openxmlformats.org/presentationml/2006/main">
+  <p:cSld>
+    <p:spTree>
+      <p:nvGrpSpPr>
+        <p:cNvPr id="1" name=""/>
+        <p:cNvGrpSpPr/>
+        <p:nvPr/>
+      </p:nvGrpSpPr>
+      <p:grpSpPr>
+        <a:xfrm>
+          <a:off x="0" y="0"/>
+          <a:ext cx="0" cy="0"/>
+          <a:chOff x="0" y="0"/>
+          <a:chExt cx="0" cy="0"/>
+        </a:xfrm>
+      </p:grpSpPr>
+      <p:sp>
+        <p:nvSpPr>
+          <p:cNvPr id="2" name="Titre 1">
+            <a:extLst>
+              <a:ext uri="{FF2B5EF4-FFF2-40B4-BE49-F238E27FC236}">
+                <a16:creationId xmlns:a16="http://schemas.microsoft.com/office/drawing/2014/main" id="{FD0209CC-45C7-E971-0B04-848469093644}"/>
+              </a:ext>
+            </a:extLst>
+          </p:cNvPr>
+          <p:cNvSpPr>
+            <a:spLocks noGrp="1"/>
+          </p:cNvSpPr>
+          <p:nvPr>
+            <p:ph type="title"/>
+          </p:nvPr>
+        </p:nvSpPr>
+        <p:spPr/>
+        <p:txBody>
+          <a:bodyPr/>
+          <a:lstStyle/>
+          <a:p>
+            <a:r>
+              <a:rPr lang="fr-FR" dirty="0"/>
+              <a:t>Vue 5000m</a:t>
+            </a:r>
+          </a:p>
+        </p:txBody>
+      </p:sp>
+      <p:sp>
+        <p:nvSpPr>
+          <p:cNvPr id="3" name="Espace réservé du contenu 2">
+            <a:extLst>
+              <a:ext uri="{FF2B5EF4-FFF2-40B4-BE49-F238E27FC236}">
+                <a16:creationId xmlns:a16="http://schemas.microsoft.com/office/drawing/2014/main" id="{5D93AEDD-11C6-5057-6942-92D2AA304CF7}"/>
+              </a:ext>
+            </a:extLst>
+          </p:cNvPr>
+          <p:cNvSpPr>
+            <a:spLocks noGrp="1"/>
+          </p:cNvSpPr>
+          <p:nvPr>
+            <p:ph idx="1"/>
+          </p:nvPr>
+        </p:nvSpPr>
+        <p:spPr/>
+        <p:txBody>
+          <a:bodyPr/>
+          <a:lstStyle/>
+          <a:p>
+            <a:endParaRPr lang="fr-FR"/>
+          </a:p>
+        </p:txBody>
+      </p:sp>
+      <p:pic>
+        <p:nvPicPr>
+          <p:cNvPr id="5" name="Image 4">
+            <a:extLst>
+              <a:ext uri="{FF2B5EF4-FFF2-40B4-BE49-F238E27FC236}">
+                <a16:creationId xmlns:a16="http://schemas.microsoft.com/office/drawing/2014/main" id="{2BA0E1C7-C0C2-8E5C-8947-BCF1305FDEA5}"/>
+              </a:ext>
+            </a:extLst>
+          </p:cNvPr>
+          <p:cNvPicPr>
+            <a:picLocks noChangeAspect="1"/>
+          </p:cNvPicPr>
+          <p:nvPr/>
+        </p:nvPicPr>
+        <p:blipFill>
+          <a:blip r:embed="rId2"/>
+          <a:stretch>
+            <a:fillRect/>
+          </a:stretch>
+        </p:blipFill>
+        <p:spPr>
+          <a:xfrm>
+            <a:off x="433981" y="1744834"/>
+            <a:ext cx="8276037" cy="3368332"/>
+          </a:xfrm>
+          <a:prstGeom prst="rect">
+            <a:avLst/>
+          </a:prstGeom>
+        </p:spPr>
+      </p:pic>
+    </p:spTree>
+    <p:extLst>
+      <p:ext uri="{BB962C8B-B14F-4D97-AF65-F5344CB8AC3E}">
+        <p14:creationId xmlns:p14="http://schemas.microsoft.com/office/powerpoint/2010/main" val="4167142897"/>
+      </p:ext>
+    </p:extLst>
+  </p:cSld>
+  <p:clrMapOvr>
+    <a:masterClrMapping/>
+  </p:clrMapOvr>
+</p:sld>
+</file>
+
+<file path=ppt/slides/slide42.xml><?xml version="1.0" encoding="utf-8"?>
+<p:sld xmlns:a="http://schemas.openxmlformats.org/drawingml/2006/main" xmlns:r="http://schemas.openxmlformats.org/officeDocument/2006/relationships" xmlns:p="http://schemas.openxmlformats.org/presentationml/2006/main">
+  <p:cSld>
+    <p:spTree>
+      <p:nvGrpSpPr>
+        <p:cNvPr id="1" name=""/>
+        <p:cNvGrpSpPr/>
+        <p:nvPr/>
+      </p:nvGrpSpPr>
+      <p:grpSpPr>
+        <a:xfrm>
+          <a:off x="0" y="0"/>
+          <a:ext cx="0" cy="0"/>
+          <a:chOff x="0" y="0"/>
+          <a:chExt cx="0" cy="0"/>
+        </a:xfrm>
+      </p:grpSpPr>
+      <p:sp>
+        <p:nvSpPr>
+          <p:cNvPr id="2" name="Titre 1">
+            <a:extLst>
+              <a:ext uri="{FF2B5EF4-FFF2-40B4-BE49-F238E27FC236}">
+                <a16:creationId xmlns:a16="http://schemas.microsoft.com/office/drawing/2014/main" id="{D0D2562D-186A-3352-6131-89A21098DE1A}"/>
+              </a:ext>
+            </a:extLst>
+          </p:cNvPr>
+          <p:cNvSpPr>
+            <a:spLocks noGrp="1"/>
+          </p:cNvSpPr>
+          <p:nvPr>
+            <p:ph type="title"/>
+          </p:nvPr>
+        </p:nvSpPr>
+        <p:spPr/>
+        <p:txBody>
+          <a:bodyPr/>
+          <a:lstStyle/>
+          <a:p>
+            <a:r>
+              <a:rPr lang="fr-FR" dirty="0"/>
+              <a:t>Vue 1000m</a:t>
+            </a:r>
+          </a:p>
+        </p:txBody>
+      </p:sp>
+      <p:sp>
+        <p:nvSpPr>
+          <p:cNvPr id="3" name="Espace réservé du contenu 2">
+            <a:extLst>
+              <a:ext uri="{FF2B5EF4-FFF2-40B4-BE49-F238E27FC236}">
+                <a16:creationId xmlns:a16="http://schemas.microsoft.com/office/drawing/2014/main" id="{819A8CFF-C154-AF82-8319-6EF554B646AC}"/>
+              </a:ext>
+            </a:extLst>
+          </p:cNvPr>
+          <p:cNvSpPr>
+            <a:spLocks noGrp="1"/>
+          </p:cNvSpPr>
+          <p:nvPr>
+            <p:ph idx="1"/>
+          </p:nvPr>
+        </p:nvSpPr>
+        <p:spPr/>
+        <p:txBody>
+          <a:bodyPr/>
+          <a:lstStyle/>
+          <a:p>
+            <a:r>
+              <a:rPr lang="fr-FR" dirty="0"/>
+              <a:t>Exemple AWS</a:t>
+            </a:r>
+          </a:p>
+        </p:txBody>
+      </p:sp>
+      <p:pic>
+        <p:nvPicPr>
+          <p:cNvPr id="5" name="Image 4">
+            <a:extLst>
+              <a:ext uri="{FF2B5EF4-FFF2-40B4-BE49-F238E27FC236}">
+                <a16:creationId xmlns:a16="http://schemas.microsoft.com/office/drawing/2014/main" id="{45DAF314-7FCE-66DE-1E55-9BC77D60AA9A}"/>
+              </a:ext>
+            </a:extLst>
+          </p:cNvPr>
+          <p:cNvPicPr>
+            <a:picLocks noChangeAspect="1"/>
+          </p:cNvPicPr>
+          <p:nvPr/>
+        </p:nvPicPr>
+        <p:blipFill>
+          <a:blip r:embed="rId2"/>
+          <a:stretch>
+            <a:fillRect/>
+          </a:stretch>
+        </p:blipFill>
+        <p:spPr>
+          <a:xfrm>
+            <a:off x="611560" y="2368662"/>
+            <a:ext cx="8192210" cy="4084674"/>
+          </a:xfrm>
+          <a:prstGeom prst="rect">
+            <a:avLst/>
+          </a:prstGeom>
+        </p:spPr>
+      </p:pic>
+    </p:spTree>
+    <p:extLst>
+      <p:ext uri="{BB962C8B-B14F-4D97-AF65-F5344CB8AC3E}">
+        <p14:creationId xmlns:p14="http://schemas.microsoft.com/office/powerpoint/2010/main" val="1737654264"/>
+      </p:ext>
+    </p:extLst>
+  </p:cSld>
+  <p:clrMapOvr>
+    <a:masterClrMapping/>
+  </p:clrMapOvr>
+</p:sld>
+</file>
+
+<file path=ppt/slides/slide43.xml><?xml version="1.0" encoding="utf-8"?>
+<p:sld xmlns:a="http://schemas.openxmlformats.org/drawingml/2006/main" xmlns:r="http://schemas.openxmlformats.org/officeDocument/2006/relationships" xmlns:p="http://schemas.openxmlformats.org/presentationml/2006/main">
+  <p:cSld>
+    <p:spTree>
+      <p:nvGrpSpPr>
+        <p:cNvPr id="1" name=""/>
+        <p:cNvGrpSpPr/>
+        <p:nvPr/>
+      </p:nvGrpSpPr>
+      <p:grpSpPr>
+        <a:xfrm>
+          <a:off x="0" y="0"/>
+          <a:ext cx="0" cy="0"/>
+          <a:chOff x="0" y="0"/>
+          <a:chExt cx="0" cy="0"/>
+        </a:xfrm>
+      </p:grpSpPr>
+      <p:sp>
+        <p:nvSpPr>
+          <p:cNvPr id="2" name="Titre 1">
+            <a:extLst>
+              <a:ext uri="{FF2B5EF4-FFF2-40B4-BE49-F238E27FC236}">
+                <a16:creationId xmlns:a16="http://schemas.microsoft.com/office/drawing/2014/main" id="{BF7B2426-552F-72CB-0532-BC1B3226C61C}"/>
+              </a:ext>
+            </a:extLst>
+          </p:cNvPr>
+          <p:cNvSpPr>
+            <a:spLocks noGrp="1"/>
+          </p:cNvSpPr>
+          <p:nvPr>
+            <p:ph type="title"/>
+          </p:nvPr>
+        </p:nvSpPr>
+        <p:spPr/>
+        <p:txBody>
+          <a:bodyPr/>
+          <a:lstStyle/>
+          <a:p>
+            <a:r>
+              <a:rPr lang="fr-FR" dirty="0"/>
+              <a:t>Exemples de service AWS</a:t>
+            </a:r>
+          </a:p>
+        </p:txBody>
+      </p:sp>
+      <p:sp>
+        <p:nvSpPr>
+          <p:cNvPr id="3" name="Espace réservé du contenu 2">
+            <a:extLst>
+              <a:ext uri="{FF2B5EF4-FFF2-40B4-BE49-F238E27FC236}">
+                <a16:creationId xmlns:a16="http://schemas.microsoft.com/office/drawing/2014/main" id="{F5BC1D42-4A61-6388-D363-0AD3C6E45E45}"/>
+              </a:ext>
+            </a:extLst>
+          </p:cNvPr>
+          <p:cNvSpPr>
+            <a:spLocks noGrp="1"/>
+          </p:cNvSpPr>
+          <p:nvPr>
+            <p:ph idx="1"/>
+          </p:nvPr>
+        </p:nvSpPr>
+        <p:spPr/>
+        <p:txBody>
+          <a:bodyPr/>
+          <a:lstStyle/>
+          <a:p>
+            <a:endParaRPr lang="fr-FR"/>
+          </a:p>
+        </p:txBody>
+      </p:sp>
+      <p:pic>
+        <p:nvPicPr>
+          <p:cNvPr id="5" name="Image 4">
+            <a:extLst>
+              <a:ext uri="{FF2B5EF4-FFF2-40B4-BE49-F238E27FC236}">
+                <a16:creationId xmlns:a16="http://schemas.microsoft.com/office/drawing/2014/main" id="{7D4C4BC0-1D76-E249-36AD-FB82DFC18402}"/>
+              </a:ext>
+            </a:extLst>
+          </p:cNvPr>
+          <p:cNvPicPr>
+            <a:picLocks noChangeAspect="1"/>
+          </p:cNvPicPr>
+          <p:nvPr/>
+        </p:nvPicPr>
+        <p:blipFill>
+          <a:blip r:embed="rId2"/>
+          <a:stretch>
+            <a:fillRect/>
+          </a:stretch>
+        </p:blipFill>
+        <p:spPr>
+          <a:xfrm>
+            <a:off x="971600" y="916040"/>
+            <a:ext cx="7731186" cy="5537296"/>
+          </a:xfrm>
+          <a:prstGeom prst="rect">
+            <a:avLst/>
+          </a:prstGeom>
+        </p:spPr>
+      </p:pic>
+    </p:spTree>
+    <p:extLst>
+      <p:ext uri="{BB962C8B-B14F-4D97-AF65-F5344CB8AC3E}">
+        <p14:creationId xmlns:p14="http://schemas.microsoft.com/office/powerpoint/2010/main" val="2000666335"/>
+      </p:ext>
+    </p:extLst>
+  </p:cSld>
+  <p:clrMapOvr>
+    <a:masterClrMapping/>
+  </p:clrMapOvr>
+</p:sld>
+</file>
+
+<file path=ppt/slides/slide44.xml><?xml version="1.0" encoding="utf-8"?>
+<p:sld xmlns:a="http://schemas.openxmlformats.org/drawingml/2006/main" xmlns:r="http://schemas.openxmlformats.org/officeDocument/2006/relationships" xmlns:p="http://schemas.openxmlformats.org/presentationml/2006/main">
+  <p:cSld>
+    <p:spTree>
+      <p:nvGrpSpPr>
+        <p:cNvPr id="1" name=""/>
+        <p:cNvGrpSpPr/>
+        <p:nvPr/>
+      </p:nvGrpSpPr>
+      <p:grpSpPr>
+        <a:xfrm>
+          <a:off x="0" y="0"/>
+          <a:ext cx="0" cy="0"/>
+          <a:chOff x="0" y="0"/>
+          <a:chExt cx="0" cy="0"/>
+        </a:xfrm>
+      </p:grpSpPr>
+      <p:sp>
+        <p:nvSpPr>
+          <p:cNvPr id="2" name="Titre 1">
+            <a:extLst>
+              <a:ext uri="{FF2B5EF4-FFF2-40B4-BE49-F238E27FC236}">
+                <a16:creationId xmlns:a16="http://schemas.microsoft.com/office/drawing/2014/main" id="{587CE96D-E537-026D-58CC-345DE323684F}"/>
+              </a:ext>
+            </a:extLst>
+          </p:cNvPr>
+          <p:cNvSpPr>
+            <a:spLocks noGrp="1"/>
+          </p:cNvSpPr>
+          <p:nvPr>
+            <p:ph type="title"/>
+          </p:nvPr>
+        </p:nvSpPr>
+        <p:spPr/>
+        <p:txBody>
+          <a:bodyPr/>
+          <a:lstStyle/>
+          <a:p>
+            <a:r>
+              <a:rPr lang="fr-FR" dirty="0"/>
+              <a:t>Le workflow des data</a:t>
+            </a:r>
+          </a:p>
+        </p:txBody>
+      </p:sp>
+      <p:sp>
+        <p:nvSpPr>
+          <p:cNvPr id="3" name="Espace réservé du contenu 2">
+            <a:extLst>
+              <a:ext uri="{FF2B5EF4-FFF2-40B4-BE49-F238E27FC236}">
+                <a16:creationId xmlns:a16="http://schemas.microsoft.com/office/drawing/2014/main" id="{9989F471-BEB9-046C-0236-BB3720370E91}"/>
+              </a:ext>
+            </a:extLst>
+          </p:cNvPr>
+          <p:cNvSpPr>
+            <a:spLocks noGrp="1"/>
+          </p:cNvSpPr>
+          <p:nvPr>
+            <p:ph idx="1"/>
+          </p:nvPr>
+        </p:nvSpPr>
+        <p:spPr/>
+        <p:txBody>
+          <a:bodyPr/>
+          <a:lstStyle/>
+          <a:p>
+            <a:r>
+              <a:rPr lang="fr-FR" dirty="0"/>
+              <a:t>D’abord dans le </a:t>
+            </a:r>
+            <a:r>
+              <a:rPr lang="fr-FR" dirty="0" err="1"/>
+              <a:t>Datalake</a:t>
+            </a:r>
+            <a:endParaRPr lang="fr-FR" dirty="0"/>
+          </a:p>
+          <a:p>
+            <a:r>
+              <a:rPr lang="fr-FR" dirty="0"/>
+              <a:t>Puis dans le Datamart</a:t>
+            </a:r>
+          </a:p>
+          <a:p>
+            <a:r>
+              <a:rPr lang="fr-FR" dirty="0" err="1"/>
+              <a:t>Intéraction</a:t>
+            </a:r>
+            <a:r>
+              <a:rPr lang="fr-FR" dirty="0"/>
+              <a:t> pull</a:t>
+            </a:r>
+          </a:p>
+          <a:p>
+            <a:pPr lvl="1"/>
+            <a:r>
+              <a:rPr lang="fr-FR" dirty="0" err="1"/>
+              <a:t>Datalake</a:t>
+            </a:r>
+            <a:r>
+              <a:rPr lang="fr-FR" dirty="0"/>
+              <a:t> =&gt; Datamart</a:t>
+            </a:r>
+          </a:p>
+          <a:p>
+            <a:r>
+              <a:rPr lang="fr-FR" dirty="0" err="1"/>
+              <a:t>Intéraction</a:t>
+            </a:r>
+            <a:r>
+              <a:rPr lang="fr-FR" dirty="0"/>
+              <a:t> push &amp; pull</a:t>
+            </a:r>
+          </a:p>
+          <a:p>
+            <a:pPr lvl="1"/>
+            <a:r>
+              <a:rPr lang="fr-FR" dirty="0"/>
+              <a:t>Datamart =&gt; </a:t>
+            </a:r>
+            <a:r>
+              <a:rPr lang="fr-FR" dirty="0" err="1"/>
+              <a:t>Datalake</a:t>
+            </a:r>
+            <a:r>
+              <a:rPr lang="fr-FR" dirty="0"/>
+              <a:t> =&gt; Datamart</a:t>
+            </a:r>
+          </a:p>
+          <a:p>
+            <a:endParaRPr lang="fr-FR" dirty="0"/>
+          </a:p>
+        </p:txBody>
+      </p:sp>
+    </p:spTree>
+    <p:extLst>
+      <p:ext uri="{BB962C8B-B14F-4D97-AF65-F5344CB8AC3E}">
+        <p14:creationId xmlns:p14="http://schemas.microsoft.com/office/powerpoint/2010/main" val="482056254"/>
+      </p:ext>
+    </p:extLst>
+  </p:cSld>
+  <p:clrMapOvr>
+    <a:masterClrMapping/>
+  </p:clrMapOvr>
+</p:sld>
+</file>
+
+<file path=ppt/slides/slide45.xml><?xml version="1.0" encoding="utf-8"?>
+<p:sld xmlns:a="http://schemas.openxmlformats.org/drawingml/2006/main" xmlns:r="http://schemas.openxmlformats.org/officeDocument/2006/relationships" xmlns:p="http://schemas.openxmlformats.org/presentationml/2006/main">
+  <p:cSld>
+    <p:spTree>
+      <p:nvGrpSpPr>
+        <p:cNvPr id="1" name=""/>
+        <p:cNvGrpSpPr/>
+        <p:nvPr/>
+      </p:nvGrpSpPr>
+      <p:grpSpPr>
+        <a:xfrm>
+          <a:off x="0" y="0"/>
+          <a:ext cx="0" cy="0"/>
+          <a:chOff x="0" y="0"/>
+          <a:chExt cx="0" cy="0"/>
+        </a:xfrm>
+      </p:grpSpPr>
+      <p:sp>
+        <p:nvSpPr>
+          <p:cNvPr id="2" name="Titre 1">
+            <a:extLst>
+              <a:ext uri="{FF2B5EF4-FFF2-40B4-BE49-F238E27FC236}">
+                <a16:creationId xmlns:a16="http://schemas.microsoft.com/office/drawing/2014/main" id="{EBBDF2A8-A734-A981-B21B-9BD0427D12A4}"/>
+              </a:ext>
+            </a:extLst>
+          </p:cNvPr>
+          <p:cNvSpPr>
+            <a:spLocks noGrp="1"/>
+          </p:cNvSpPr>
+          <p:nvPr>
+            <p:ph type="title"/>
+          </p:nvPr>
+        </p:nvSpPr>
+        <p:spPr/>
+        <p:txBody>
+          <a:bodyPr/>
+          <a:lstStyle/>
+          <a:p>
+            <a:r>
+              <a:rPr lang="fr-FR" dirty="0"/>
+              <a:t>3 approches</a:t>
+            </a:r>
+          </a:p>
+        </p:txBody>
+      </p:sp>
+      <p:sp>
+        <p:nvSpPr>
+          <p:cNvPr id="3" name="Espace réservé du contenu 2">
+            <a:extLst>
+              <a:ext uri="{FF2B5EF4-FFF2-40B4-BE49-F238E27FC236}">
+                <a16:creationId xmlns:a16="http://schemas.microsoft.com/office/drawing/2014/main" id="{E4BA3CAA-218F-D172-D92D-AF8F36934773}"/>
+              </a:ext>
+            </a:extLst>
+          </p:cNvPr>
+          <p:cNvSpPr>
+            <a:spLocks noGrp="1"/>
+          </p:cNvSpPr>
+          <p:nvPr>
+            <p:ph idx="1"/>
+          </p:nvPr>
+        </p:nvSpPr>
+        <p:spPr/>
+        <p:txBody>
+          <a:bodyPr/>
+          <a:lstStyle/>
+          <a:p>
+            <a:r>
+              <a:rPr lang="fr-FR" dirty="0"/>
+              <a:t>Approche Top</a:t>
+            </a:r>
+          </a:p>
+          <a:p>
+            <a:pPr lvl="1"/>
+            <a:r>
+              <a:rPr lang="fr-FR" dirty="0"/>
+              <a:t>Approche théorique</a:t>
+            </a:r>
+          </a:p>
+          <a:p>
+            <a:pPr lvl="1"/>
+            <a:r>
+              <a:rPr lang="fr-FR" dirty="0"/>
+              <a:t>Création du </a:t>
+            </a:r>
+            <a:r>
+              <a:rPr lang="fr-FR" dirty="0" err="1"/>
+              <a:t>Datalake</a:t>
+            </a:r>
+            <a:r>
+              <a:rPr lang="fr-FR" dirty="0"/>
+              <a:t> puis Datamart puis </a:t>
+            </a:r>
+            <a:r>
+              <a:rPr lang="fr-FR" dirty="0" err="1"/>
+              <a:t>Datalab</a:t>
+            </a:r>
+            <a:r>
+              <a:rPr lang="fr-FR" dirty="0"/>
+              <a:t> puis applications</a:t>
+            </a:r>
+          </a:p>
+          <a:p>
+            <a:pPr lvl="1"/>
+            <a:r>
+              <a:rPr lang="fr-FR" dirty="0"/>
+              <a:t>Chère et long, réservé aux grands groupes</a:t>
+            </a:r>
+          </a:p>
+          <a:p>
+            <a:r>
+              <a:rPr lang="fr-FR" dirty="0"/>
+              <a:t>Approche pragmatique</a:t>
+            </a:r>
+          </a:p>
+          <a:p>
+            <a:pPr lvl="1"/>
+            <a:r>
+              <a:rPr lang="fr-FR" dirty="0"/>
+              <a:t>Approche des développeurs</a:t>
+            </a:r>
+          </a:p>
+          <a:p>
+            <a:pPr lvl="1"/>
+            <a:r>
+              <a:rPr lang="fr-FR" dirty="0"/>
+              <a:t>Création d’une application puis d’un </a:t>
+            </a:r>
+            <a:r>
+              <a:rPr lang="fr-FR" dirty="0" err="1"/>
+              <a:t>datalab</a:t>
+            </a:r>
+            <a:r>
+              <a:rPr lang="fr-FR" dirty="0"/>
+              <a:t> / datamart puis d’un </a:t>
+            </a:r>
+            <a:r>
+              <a:rPr lang="fr-FR" dirty="0" err="1"/>
+              <a:t>Datalake</a:t>
+            </a:r>
+            <a:endParaRPr lang="fr-FR" dirty="0"/>
+          </a:p>
+          <a:p>
+            <a:pPr lvl="1"/>
+            <a:r>
+              <a:rPr lang="fr-FR" dirty="0"/>
+              <a:t>Très technique mais agile</a:t>
+            </a:r>
+          </a:p>
+          <a:p>
+            <a:r>
+              <a:rPr lang="fr-FR"/>
+              <a:t>Approche mixte</a:t>
+            </a:r>
+          </a:p>
+        </p:txBody>
+      </p:sp>
+    </p:spTree>
+    <p:extLst>
+      <p:ext uri="{BB962C8B-B14F-4D97-AF65-F5344CB8AC3E}">
+        <p14:creationId xmlns:p14="http://schemas.microsoft.com/office/powerpoint/2010/main" val="1926650437"/>
       </p:ext>
     </p:extLst>
   </p:cSld>
@@ -5329,7 +8954,7 @@
           <a:p>
             <a:r>
               <a:rPr lang="fr-FR" dirty="0"/>
-              <a:t>Vélocité</a:t>
+              <a:t>ACID et 3V</a:t>
             </a:r>
           </a:p>
         </p:txBody>
@@ -5351,21 +8976,70 @@
           <a:p>
             <a:r>
               <a:rPr lang="fr-FR" dirty="0"/>
-              <a:t>L’importance de l’immédiateté et de l’instantanéité pour recevoir ou émettre des informations par chacun d’entre nous et pour toutes les activités, professionnelles ou personnelles, du quotidien contraigne les organisations à améliorer leurs vitesses de réaction et d’anticipation</a:t>
+              <a:t>Les bases </a:t>
+            </a:r>
+            <a:r>
+              <a:rPr lang="fr-FR" dirty="0" err="1"/>
+              <a:t>Big</a:t>
+            </a:r>
+            <a:r>
+              <a:rPr lang="fr-FR" dirty="0"/>
+              <a:t> Data ne sont plus ACID</a:t>
             </a:r>
           </a:p>
           <a:p>
             <a:pPr lvl="1"/>
             <a:r>
               <a:rPr lang="fr-FR" dirty="0"/>
-              <a:t>L’information n’est plus statique, mais elle devient un facteur de changement dynamique</a:t>
+              <a:t>Atomique</a:t>
             </a:r>
           </a:p>
           <a:p>
             <a:pPr lvl="1"/>
             <a:r>
               <a:rPr lang="fr-FR" dirty="0"/>
-              <a:t>Dans ce contexte, comment l’intégrer en temps réel dans les schémas de données actuels conçus pour être alimentés en temps différé ? Comment canaliser ce déluge d’information dans des flux maîtrisés ? </a:t>
+              <a:t>Cohérente</a:t>
+            </a:r>
+          </a:p>
+          <a:p>
+            <a:pPr lvl="1"/>
+            <a:r>
+              <a:rPr lang="fr-FR" dirty="0"/>
+              <a:t>Intègre</a:t>
+            </a:r>
+          </a:p>
+          <a:p>
+            <a:pPr lvl="1"/>
+            <a:r>
+              <a:rPr lang="fr-FR" dirty="0"/>
+              <a:t>Disponible</a:t>
+            </a:r>
+          </a:p>
+          <a:p>
+            <a:r>
+              <a:rPr lang="fr-FR" dirty="0"/>
+              <a:t>Elles sont 3V</a:t>
+            </a:r>
+          </a:p>
+          <a:p>
+            <a:pPr lvl="1"/>
+            <a:r>
+              <a:rPr lang="fr-FR" dirty="0"/>
+              <a:t>Volume</a:t>
+            </a:r>
+          </a:p>
+          <a:p>
+            <a:pPr lvl="1"/>
+            <a:r>
+              <a:rPr lang="fr-FR" dirty="0"/>
+              <a:t>Véloce</a:t>
+            </a:r>
+          </a:p>
+          <a:p>
+            <a:pPr lvl="1"/>
+            <a:r>
+              <a:rPr lang="fr-FR" dirty="0"/>
+              <a:t>Variété</a:t>
             </a:r>
           </a:p>
         </p:txBody>
@@ -5373,7 +9047,7 @@
     </p:spTree>
     <p:extLst>
       <p:ext uri="{BB962C8B-B14F-4D97-AF65-F5344CB8AC3E}">
-        <p14:creationId xmlns:p14="http://schemas.microsoft.com/office/powerpoint/2010/main" val="1737665485"/>
+        <p14:creationId xmlns:p14="http://schemas.microsoft.com/office/powerpoint/2010/main" val="3705158679"/>
       </p:ext>
     </p:extLst>
   </p:cSld>
@@ -5417,7 +9091,7 @@
           <a:p>
             <a:r>
               <a:rPr lang="fr-FR" dirty="0"/>
-              <a:t>Variété</a:t>
+              <a:t>Volume</a:t>
             </a:r>
           </a:p>
         </p:txBody>
@@ -5439,21 +9113,44 @@
           <a:p>
             <a:r>
               <a:rPr lang="fr-FR" dirty="0"/>
-              <a:t>Texte, images, photos, vidéos, quel que soit le format de l’information, les données, structurées ou non structurées, requièrent un nouveau savoir-faire pour être assimilées </a:t>
-            </a:r>
-            <a:r>
-              <a:rPr lang="fr-FR"/>
-              <a:t>puis analysées</a:t>
-            </a:r>
-          </a:p>
-          <a:p>
-            <a:r>
-              <a:rPr lang="fr-FR"/>
-              <a:t>L’exploitation </a:t>
-            </a:r>
-            <a:r>
-              <a:rPr lang="fr-FR" dirty="0"/>
-              <a:t>et le traitement de l’information aussi variée, tant par la forme que par le contenu, sont difficilement réalisables en dehors du support initial</a:t>
+              <a:t>Dans les systèmes d’information en place dans les entreprises, les volumes de données traités se mesurent en téraoctets</a:t>
+            </a:r>
+          </a:p>
+          <a:p>
+            <a:r>
+              <a:rPr lang="fr-FR" dirty="0"/>
+              <a:t>Le challenge immédiat de l’IT traditionnel est d’être en capacité de traiter des </a:t>
+            </a:r>
+            <a:r>
+              <a:rPr lang="fr-FR" dirty="0" err="1"/>
+              <a:t>Pétaoctets</a:t>
+            </a:r>
+            <a:r>
+              <a:rPr lang="fr-FR" dirty="0"/>
+              <a:t> et bientôt des </a:t>
+            </a:r>
+            <a:r>
+              <a:rPr lang="fr-FR" dirty="0" err="1"/>
+              <a:t>Exaoctets</a:t>
+            </a:r>
+            <a:r>
+              <a:rPr lang="fr-FR" dirty="0"/>
+              <a:t> puis des </a:t>
+            </a:r>
+            <a:r>
+              <a:rPr lang="fr-FR" dirty="0" err="1"/>
+              <a:t>Zettaoctets</a:t>
+            </a:r>
+            <a:r>
+              <a:rPr lang="fr-FR" dirty="0"/>
+              <a:t>.</a:t>
+            </a:r>
+          </a:p>
+          <a:p>
+            <a:pPr lvl="1"/>
+            <a:r>
+              <a:rPr lang="fr-FR" dirty="0"/>
+              <a:t>S’ensuivent une longue liste de questions auxquelles les spécialistes doivent apporter une réponse à plus ou moins long terme : quels sont les coûts ? Quels sont les outils de stockage et de traitement en temps réel ? Quelles sont les méthodes à adopter pour analyser l’information ? Quels sont les moyens pour archiver ? </a:t>
             </a:r>
           </a:p>
         </p:txBody>
@@ -5461,7 +9158,7 @@
     </p:spTree>
     <p:extLst>
       <p:ext uri="{BB962C8B-B14F-4D97-AF65-F5344CB8AC3E}">
-        <p14:creationId xmlns:p14="http://schemas.microsoft.com/office/powerpoint/2010/main" val="674938983"/>
+        <p14:creationId xmlns:p14="http://schemas.microsoft.com/office/powerpoint/2010/main" val="3904163269"/>
       </p:ext>
     </p:extLst>
   </p:cSld>
@@ -5504,10 +9201,9 @@
           <a:lstStyle/>
           <a:p>
             <a:r>
-              <a:rPr lang="fr-FR" dirty="0" err="1"/>
-              <a:t>DataMart</a:t>
-            </a:r>
-            <a:endParaRPr lang="fr-FR" dirty="0"/>
+              <a:rPr lang="fr-FR" dirty="0"/>
+              <a:t>Vélocité</a:t>
+            </a:r>
           </a:p>
         </p:txBody>
       </p:sp>
@@ -5528,22 +9224,21 @@
           <a:p>
             <a:r>
               <a:rPr lang="fr-FR" dirty="0"/>
-              <a:t>Le </a:t>
-            </a:r>
-            <a:r>
-              <a:rPr lang="fr-FR" dirty="0" err="1"/>
-              <a:t>datamart</a:t>
-            </a:r>
-            <a:r>
-              <a:rPr lang="fr-FR" dirty="0"/>
-              <a:t> est un ensemble de données ciblées, organisées, regroupées et agrégées pour répondre à un besoin spécifique à un métier ou un domaine donné</a:t>
+              <a:t>L’importance de l’immédiateté et de l’instantanéité pour recevoir ou émettre des informations par chacun d’entre nous et pour toutes les activités, professionnelles ou personnelles, du quotidien contraigne les organisations à améliorer leurs vitesses de réaction et d’anticipation</a:t>
             </a:r>
           </a:p>
           <a:p>
             <a:pPr lvl="1"/>
             <a:r>
               <a:rPr lang="fr-FR" dirty="0"/>
-              <a:t>Il est donc destiné à être interrogé sur un panel de données restreint à son domaine fonctionnel, selon des paramètres qui auront été définis à l’avance lors de sa conception</a:t>
+              <a:t>L’information n’est plus statique, mais elle devient un facteur de changement dynamique</a:t>
+            </a:r>
+          </a:p>
+          <a:p>
+            <a:pPr lvl="1"/>
+            <a:r>
+              <a:rPr lang="fr-FR" dirty="0"/>
+              <a:t>Dans ce contexte, comment l’intégrer en temps réel dans les schémas de données actuels conçus pour être alimentés en temps différé ? Comment canaliser ce déluge d’information dans des flux maîtrisés ? </a:t>
             </a:r>
           </a:p>
         </p:txBody>
@@ -5551,7 +9246,7 @@
     </p:spTree>
     <p:extLst>
       <p:ext uri="{BB962C8B-B14F-4D97-AF65-F5344CB8AC3E}">
-        <p14:creationId xmlns:p14="http://schemas.microsoft.com/office/powerpoint/2010/main" val="4095565448"/>
+        <p14:creationId xmlns:p14="http://schemas.microsoft.com/office/powerpoint/2010/main" val="1737665485"/>
       </p:ext>
     </p:extLst>
   </p:cSld>
@@ -5594,10 +9289,9 @@
           <a:lstStyle/>
           <a:p>
             <a:r>
-              <a:rPr lang="fr-FR" dirty="0" err="1"/>
-              <a:t>DataWarehouse</a:t>
-            </a:r>
-            <a:endParaRPr lang="fr-FR" dirty="0"/>
+              <a:rPr lang="fr-FR" dirty="0"/>
+              <a:t>Variété</a:t>
+            </a:r>
           </a:p>
         </p:txBody>
       </p:sp>
@@ -5618,51 +9312,21 @@
           <a:p>
             <a:r>
               <a:rPr lang="fr-FR" dirty="0"/>
-              <a:t>Définition de Kimball</a:t>
-            </a:r>
-          </a:p>
-          <a:p>
-            <a:r>
-              <a:rPr lang="fr-FR" dirty="0"/>
-              <a:t>L’ensemble des </a:t>
-            </a:r>
-            <a:r>
-              <a:rPr lang="fr-FR" dirty="0" err="1"/>
-              <a:t>DataMarts</a:t>
-            </a:r>
-            <a:r>
-              <a:rPr lang="fr-FR" dirty="0"/>
-              <a:t> de l’entreprise constitue le </a:t>
-            </a:r>
-            <a:r>
-              <a:rPr lang="fr-FR" dirty="0" err="1"/>
-              <a:t>DataWarehouse</a:t>
-            </a:r>
-            <a:r>
-              <a:rPr lang="fr-FR" dirty="0"/>
-              <a:t>.</a:t>
-            </a:r>
-          </a:p>
-          <a:p>
-            <a:r>
-              <a:rPr lang="fr-FR" dirty="0"/>
-              <a:t>Le </a:t>
-            </a:r>
-            <a:r>
-              <a:rPr lang="fr-FR" dirty="0" err="1"/>
-              <a:t>DataMart</a:t>
-            </a:r>
-            <a:r>
-              <a:rPr lang="fr-FR" dirty="0"/>
-              <a:t> est un sous-ensemble du </a:t>
-            </a:r>
-            <a:r>
-              <a:rPr lang="fr-FR" dirty="0" err="1"/>
-              <a:t>DataWarehouse</a:t>
-            </a:r>
-            <a:r>
-              <a:rPr lang="fr-FR" dirty="0"/>
-              <a:t>, constitué de tables au niveau détail et à des niveaux plus agrégés, permettant de restituer tout le spectre d’une activité métier</a:t>
+              <a:t>Texte, images, photos, vidéos, quel que soit le format de l’information, les données, structurées ou non structurées, requièrent un nouveau savoir-faire pour être assimilées </a:t>
+            </a:r>
+            <a:r>
+              <a:rPr lang="fr-FR"/>
+              <a:t>puis analysées</a:t>
+            </a:r>
+          </a:p>
+          <a:p>
+            <a:r>
+              <a:rPr lang="fr-FR"/>
+              <a:t>L’exploitation </a:t>
+            </a:r>
+            <a:r>
+              <a:rPr lang="fr-FR" dirty="0"/>
+              <a:t>et le traitement de l’information aussi variée, tant par la forme que par le contenu, sont difficilement réalisables en dehors du support initial</a:t>
             </a:r>
           </a:p>
         </p:txBody>
@@ -5670,7 +9334,7 @@
     </p:spTree>
     <p:extLst>
       <p:ext uri="{BB962C8B-B14F-4D97-AF65-F5344CB8AC3E}">
-        <p14:creationId xmlns:p14="http://schemas.microsoft.com/office/powerpoint/2010/main" val="1708998662"/>
+        <p14:creationId xmlns:p14="http://schemas.microsoft.com/office/powerpoint/2010/main" val="674938983"/>
       </p:ext>
     </p:extLst>
   </p:cSld>
@@ -5699,7 +9363,13 @@
       </p:grpSpPr>
       <p:sp>
         <p:nvSpPr>
-          <p:cNvPr id="2" name="Titre 1"/>
+          <p:cNvPr id="2" name="Titre 1">
+            <a:extLst>
+              <a:ext uri="{FF2B5EF4-FFF2-40B4-BE49-F238E27FC236}">
+                <a16:creationId xmlns:a16="http://schemas.microsoft.com/office/drawing/2014/main" id="{DFACD485-14A2-7DFC-4165-F0A94B265643}"/>
+              </a:ext>
+            </a:extLst>
+          </p:cNvPr>
           <p:cNvSpPr>
             <a:spLocks noGrp="1"/>
           </p:cNvSpPr>
@@ -5714,19 +9384,25 @@
           <a:p>
             <a:r>
               <a:rPr lang="fr-FR" dirty="0"/>
-              <a:t>Définition de </a:t>
+              <a:t>7 étapes pour créer son data </a:t>
             </a:r>
             <a:r>
               <a:rPr lang="fr-FR" dirty="0" err="1"/>
-              <a:t>Inmon</a:t>
-            </a:r>
-            <a:endParaRPr lang="fr-FR" dirty="0"/>
-          </a:p>
-        </p:txBody>
-      </p:sp>
-      <p:sp>
-        <p:nvSpPr>
-          <p:cNvPr id="3" name="Espace réservé du contenu 2"/>
+              <a:t>lake</a:t>
+            </a:r>
+            <a:endParaRPr lang="fr-FR" dirty="0"/>
+          </a:p>
+        </p:txBody>
+      </p:sp>
+      <p:sp>
+        <p:nvSpPr>
+          <p:cNvPr id="3" name="Espace réservé du contenu 2">
+            <a:extLst>
+              <a:ext uri="{FF2B5EF4-FFF2-40B4-BE49-F238E27FC236}">
+                <a16:creationId xmlns:a16="http://schemas.microsoft.com/office/drawing/2014/main" id="{8D20E18F-1CDA-F82F-9DD6-1A8B003EF034}"/>
+              </a:ext>
+            </a:extLst>
+          </p:cNvPr>
           <p:cNvSpPr>
             <a:spLocks noGrp="1"/>
           </p:cNvSpPr>
@@ -5741,26 +9417,36 @@
           <a:p>
             <a:r>
               <a:rPr lang="fr-FR" dirty="0"/>
-              <a:t>Le </a:t>
+              <a:t>Créer une taxonomie pour classer les données</a:t>
+            </a:r>
+          </a:p>
+          <a:p>
+            <a:pPr lvl="1"/>
+            <a:r>
+              <a:rPr lang="fr-FR" dirty="0"/>
+              <a:t>L'organisation des objets d’un </a:t>
             </a:r>
             <a:r>
               <a:rPr lang="fr-FR" dirty="0" err="1"/>
-              <a:t>DataMart</a:t>
-            </a:r>
-            <a:r>
-              <a:rPr lang="fr-FR" dirty="0"/>
-              <a:t> est issu d’un flux de données provenant du </a:t>
-            </a:r>
-            <a:r>
-              <a:rPr lang="fr-FR" dirty="0" err="1"/>
-              <a:t>DataWarehouse</a:t>
-            </a:r>
-            <a:endParaRPr lang="fr-FR" dirty="0"/>
-          </a:p>
-          <a:p>
-            <a:r>
-              <a:rPr lang="fr-FR" dirty="0"/>
-              <a:t>Contrairement à ce dernier qui présente le détail des données pour toute l’entreprise, il a vocation à présenter la donnée de manière spécialisée, agrégée et regroupée fonctionnellement</a:t>
+              <a:t>datalakede</a:t>
+            </a:r>
+            <a:r>
+              <a:rPr lang="fr-FR" dirty="0"/>
+              <a:t> données repose sur leur classification</a:t>
+            </a:r>
+          </a:p>
+          <a:p>
+            <a:pPr lvl="1"/>
+            <a:r>
+              <a:rPr lang="fr-FR" dirty="0"/>
+              <a:t>Identifiez alors chaque aspect clé des données comme le type de données, le contenu, les scénarios d'utilisation, les groupes d'utilisateurs possibles et la criticité des données</a:t>
+            </a:r>
+          </a:p>
+          <a:p>
+            <a:pPr lvl="1"/>
+            <a:r>
+              <a:rPr lang="fr-FR" dirty="0"/>
+              <a:t>Cette dernière a trait à la protection des données personnelles et de l’entreprise, comme celles sur les clients ou celles sur la propriété intellectuelle.</a:t>
             </a:r>
           </a:p>
         </p:txBody>
@@ -5768,7 +9454,7 @@
     </p:spTree>
     <p:extLst>
       <p:ext uri="{BB962C8B-B14F-4D97-AF65-F5344CB8AC3E}">
-        <p14:creationId xmlns:p14="http://schemas.microsoft.com/office/powerpoint/2010/main" val="1076848123"/>
+        <p14:creationId xmlns:p14="http://schemas.microsoft.com/office/powerpoint/2010/main" val="1639767311"/>
       </p:ext>
     </p:extLst>
   </p:cSld>

--- a/MDM05-Stockage.pptx
+++ b/MDM05-Stockage.pptx
@@ -5,10 +5,10 @@
     <p:sldMasterId id="2147483653" r:id="rId1"/>
   </p:sldMasterIdLst>
   <p:notesMasterIdLst>
-    <p:notesMasterId r:id="rId47"/>
+    <p:notesMasterId r:id="rId48"/>
   </p:notesMasterIdLst>
   <p:handoutMasterIdLst>
-    <p:handoutMasterId r:id="rId48"/>
+    <p:handoutMasterId r:id="rId49"/>
   </p:handoutMasterIdLst>
   <p:sldIdLst>
     <p:sldId id="264" r:id="rId2"/>
@@ -56,6 +56,7 @@
     <p:sldId id="341" r:id="rId44"/>
     <p:sldId id="344" r:id="rId45"/>
     <p:sldId id="345" r:id="rId46"/>
+    <p:sldId id="351" r:id="rId47"/>
   </p:sldIdLst>
   <p:sldSz cx="9144000" cy="6858000" type="screen4x3"/>
   <p:notesSz cx="6648450" cy="9782175"/>
@@ -8911,6 +8912,97 @@
     <p:extLst>
       <p:ext uri="{BB962C8B-B14F-4D97-AF65-F5344CB8AC3E}">
         <p14:creationId xmlns:p14="http://schemas.microsoft.com/office/powerpoint/2010/main" val="1926650437"/>
+      </p:ext>
+    </p:extLst>
+  </p:cSld>
+  <p:clrMapOvr>
+    <a:masterClrMapping/>
+  </p:clrMapOvr>
+</p:sld>
+</file>
+
+<file path=ppt/slides/slide46.xml><?xml version="1.0" encoding="utf-8"?>
+<p:sld xmlns:a="http://schemas.openxmlformats.org/drawingml/2006/main" xmlns:r="http://schemas.openxmlformats.org/officeDocument/2006/relationships" xmlns:p="http://schemas.openxmlformats.org/presentationml/2006/main">
+  <p:cSld>
+    <p:spTree>
+      <p:nvGrpSpPr>
+        <p:cNvPr id="1" name=""/>
+        <p:cNvGrpSpPr/>
+        <p:nvPr/>
+      </p:nvGrpSpPr>
+      <p:grpSpPr>
+        <a:xfrm>
+          <a:off x="0" y="0"/>
+          <a:ext cx="0" cy="0"/>
+          <a:chOff x="0" y="0"/>
+          <a:chExt cx="0" cy="0"/>
+        </a:xfrm>
+      </p:grpSpPr>
+      <p:sp>
+        <p:nvSpPr>
+          <p:cNvPr id="2" name="Titre 1">
+            <a:extLst>
+              <a:ext uri="{FF2B5EF4-FFF2-40B4-BE49-F238E27FC236}">
+                <a16:creationId xmlns:a16="http://schemas.microsoft.com/office/drawing/2014/main" id="{FD02A87C-50C7-5884-9BA5-709DBCE1F664}"/>
+              </a:ext>
+            </a:extLst>
+          </p:cNvPr>
+          <p:cNvSpPr>
+            <a:spLocks noGrp="1"/>
+          </p:cNvSpPr>
+          <p:nvPr>
+            <p:ph type="title"/>
+          </p:nvPr>
+        </p:nvSpPr>
+        <p:spPr/>
+        <p:txBody>
+          <a:bodyPr/>
+          <a:lstStyle/>
+          <a:p>
+            <a:r>
+              <a:rPr lang="fr-FR" dirty="0" err="1"/>
+              <a:t>Datalab</a:t>
+            </a:r>
+            <a:endParaRPr lang="fr-FR" dirty="0"/>
+          </a:p>
+        </p:txBody>
+      </p:sp>
+      <p:sp>
+        <p:nvSpPr>
+          <p:cNvPr id="3" name="Espace réservé du contenu 2">
+            <a:extLst>
+              <a:ext uri="{FF2B5EF4-FFF2-40B4-BE49-F238E27FC236}">
+                <a16:creationId xmlns:a16="http://schemas.microsoft.com/office/drawing/2014/main" id="{B063EB32-20AB-664C-0CED-0079B6EDE3C8}"/>
+              </a:ext>
+            </a:extLst>
+          </p:cNvPr>
+          <p:cNvSpPr>
+            <a:spLocks noGrp="1"/>
+          </p:cNvSpPr>
+          <p:nvPr>
+            <p:ph idx="1"/>
+          </p:nvPr>
+        </p:nvSpPr>
+        <p:spPr/>
+        <p:txBody>
+          <a:bodyPr/>
+          <a:lstStyle/>
+          <a:p>
+            <a:r>
+              <a:rPr lang="fr-FR" dirty="0"/>
+              <a:t>Sous ensemble d’un datamart réservé </a:t>
+            </a:r>
+            <a:r>
+              <a:rPr lang="fr-FR"/>
+              <a:t>au développement</a:t>
+            </a:r>
+          </a:p>
+        </p:txBody>
+      </p:sp>
+    </p:spTree>
+    <p:extLst>
+      <p:ext uri="{BB962C8B-B14F-4D97-AF65-F5344CB8AC3E}">
+        <p14:creationId xmlns:p14="http://schemas.microsoft.com/office/powerpoint/2010/main" val="462611002"/>
       </p:ext>
     </p:extLst>
   </p:cSld>
